--- a/figs/ALSPAC DX.pptx
+++ b/figs/ALSPAC DX.pptx
@@ -259,7 +259,7 @@
           <a:p>
             <a:fld id="{CA88BF16-538A-134A-9CA2-8055E2E22F8E}" type="datetimeFigureOut">
               <a:rPr lang="en-US" smtClean="0"/>
-              <a:t>11/5/22</a:t>
+              <a:t>11/6/22</a:t>
             </a:fld>
             <a:endParaRPr lang="en-US"/>
           </a:p>
@@ -457,7 +457,7 @@
           <a:p>
             <a:fld id="{CA88BF16-538A-134A-9CA2-8055E2E22F8E}" type="datetimeFigureOut">
               <a:rPr lang="en-US" smtClean="0"/>
-              <a:t>11/5/22</a:t>
+              <a:t>11/6/22</a:t>
             </a:fld>
             <a:endParaRPr lang="en-US"/>
           </a:p>
@@ -665,7 +665,7 @@
           <a:p>
             <a:fld id="{CA88BF16-538A-134A-9CA2-8055E2E22F8E}" type="datetimeFigureOut">
               <a:rPr lang="en-US" smtClean="0"/>
-              <a:t>11/5/22</a:t>
+              <a:t>11/6/22</a:t>
             </a:fld>
             <a:endParaRPr lang="en-US"/>
           </a:p>
@@ -863,7 +863,7 @@
           <a:p>
             <a:fld id="{CA88BF16-538A-134A-9CA2-8055E2E22F8E}" type="datetimeFigureOut">
               <a:rPr lang="en-US" smtClean="0"/>
-              <a:t>11/5/22</a:t>
+              <a:t>11/6/22</a:t>
             </a:fld>
             <a:endParaRPr lang="en-US"/>
           </a:p>
@@ -1138,7 +1138,7 @@
           <a:p>
             <a:fld id="{CA88BF16-538A-134A-9CA2-8055E2E22F8E}" type="datetimeFigureOut">
               <a:rPr lang="en-US" smtClean="0"/>
-              <a:t>11/5/22</a:t>
+              <a:t>11/6/22</a:t>
             </a:fld>
             <a:endParaRPr lang="en-US"/>
           </a:p>
@@ -1403,7 +1403,7 @@
           <a:p>
             <a:fld id="{CA88BF16-538A-134A-9CA2-8055E2E22F8E}" type="datetimeFigureOut">
               <a:rPr lang="en-US" smtClean="0"/>
-              <a:t>11/5/22</a:t>
+              <a:t>11/6/22</a:t>
             </a:fld>
             <a:endParaRPr lang="en-US"/>
           </a:p>
@@ -1815,7 +1815,7 @@
           <a:p>
             <a:fld id="{CA88BF16-538A-134A-9CA2-8055E2E22F8E}" type="datetimeFigureOut">
               <a:rPr lang="en-US" smtClean="0"/>
-              <a:t>11/5/22</a:t>
+              <a:t>11/6/22</a:t>
             </a:fld>
             <a:endParaRPr lang="en-US"/>
           </a:p>
@@ -1956,7 +1956,7 @@
           <a:p>
             <a:fld id="{CA88BF16-538A-134A-9CA2-8055E2E22F8E}" type="datetimeFigureOut">
               <a:rPr lang="en-US" smtClean="0"/>
-              <a:t>11/5/22</a:t>
+              <a:t>11/6/22</a:t>
             </a:fld>
             <a:endParaRPr lang="en-US"/>
           </a:p>
@@ -2069,7 +2069,7 @@
           <a:p>
             <a:fld id="{CA88BF16-538A-134A-9CA2-8055E2E22F8E}" type="datetimeFigureOut">
               <a:rPr lang="en-US" smtClean="0"/>
-              <a:t>11/5/22</a:t>
+              <a:t>11/6/22</a:t>
             </a:fld>
             <a:endParaRPr lang="en-US"/>
           </a:p>
@@ -2380,7 +2380,7 @@
           <a:p>
             <a:fld id="{CA88BF16-538A-134A-9CA2-8055E2E22F8E}" type="datetimeFigureOut">
               <a:rPr lang="en-US" smtClean="0"/>
-              <a:t>11/5/22</a:t>
+              <a:t>11/6/22</a:t>
             </a:fld>
             <a:endParaRPr lang="en-US"/>
           </a:p>
@@ -2668,7 +2668,7 @@
           <a:p>
             <a:fld id="{CA88BF16-538A-134A-9CA2-8055E2E22F8E}" type="datetimeFigureOut">
               <a:rPr lang="en-US" smtClean="0"/>
-              <a:t>11/5/22</a:t>
+              <a:t>11/6/22</a:t>
             </a:fld>
             <a:endParaRPr lang="en-US"/>
           </a:p>
@@ -2909,7 +2909,7 @@
           <a:p>
             <a:fld id="{CA88BF16-538A-134A-9CA2-8055E2E22F8E}" type="datetimeFigureOut">
               <a:rPr lang="en-US" smtClean="0"/>
-              <a:t>11/5/22</a:t>
+              <a:t>11/6/22</a:t>
             </a:fld>
             <a:endParaRPr lang="en-US"/>
           </a:p>
@@ -3350,14 +3350,14 @@
             <p:ph idx="1"/>
             <p:extLst>
               <p:ext uri="{D42A27DB-BD31-4B8C-83A1-F6EECF244321}">
-                <p14:modId xmlns:p14="http://schemas.microsoft.com/office/powerpoint/2010/main" val="2898888337"/>
+                <p14:modId xmlns:p14="http://schemas.microsoft.com/office/powerpoint/2010/main" val="1803684867"/>
               </p:ext>
             </p:extLst>
           </p:nvPr>
         </p:nvGraphicFramePr>
         <p:xfrm>
-          <a:off x="0" y="1"/>
-          <a:ext cx="12192000" cy="7492828"/>
+          <a:off x="0" y="9301"/>
+          <a:ext cx="12191999" cy="7546347"/>
         </p:xfrm>
         <a:graphic>
           <a:graphicData uri="http://schemas.openxmlformats.org/drawingml/2006/table">
@@ -3394,7 +3394,7 @@
                     </a:ext>
                   </a:extLst>
                 </a:gridCol>
-                <a:gridCol w="2547257">
+                <a:gridCol w="2547256">
                   <a:extLst>
                     <a:ext uri="{9D8B030D-6E8A-4147-A177-3AD203B41FA5}">
                       <a16:colId xmlns:a16="http://schemas.microsoft.com/office/drawing/2014/main" val="2415301308"/>
@@ -3402,7 +3402,7 @@
                   </a:extLst>
                 </a:gridCol>
               </a:tblGrid>
-              <a:tr h="283190">
+              <a:tr h="300494">
                 <a:tc gridSpan="5">
                   <a:txBody>
                     <a:bodyPr/>
@@ -3423,7 +3423,7 @@
                           </a:solidFill>
                           <a:effectLst/>
                         </a:rPr>
-                        <a:t>Table X. Eating disorder diagnostic criteria and harmonization of diagnosis across ages 14, 16, 18, and 24 years in the ALSPAC Cohort</a:t>
+                        <a:t>Eating disorder diagnostic criteria and harmonization of diagnosis across ages 14, 16, 18, and 24 years in the ALSPAC Cohort</a:t>
                       </a:r>
                       <a:endParaRPr lang="en-US" sz="1400" b="1" cap="none" spc="0" dirty="0">
                         <a:solidFill>
@@ -3484,7 +3484,7 @@
                   </a:ext>
                 </a:extLst>
               </a:tr>
-              <a:tr h="283190">
+              <a:tr h="300494">
                 <a:tc>
                   <a:txBody>
                     <a:bodyPr/>
@@ -3518,7 +3518,11 @@
                       </a:endParaRPr>
                     </a:p>
                   </a:txBody>
-                  <a:tcPr marL="59009" marR="23701" marT="45392" marB="45392"/>
+                  <a:tcPr marL="59009" marR="23701" marT="45392" marB="45392">
+                    <a:solidFill>
+                      <a:schemeClr val="accent1"/>
+                    </a:solidFill>
+                  </a:tcPr>
                 </a:tc>
                 <a:tc>
                   <a:txBody>
@@ -3660,8 +3664,8 @@
                   </a:ext>
                 </a:extLst>
               </a:tr>
-              <a:tr h="283190">
-                <a:tc gridSpan="5">
+              <a:tr h="300494">
+                <a:tc>
                   <a:txBody>
                     <a:bodyPr/>
                     <a:lstStyle/>
@@ -3674,15 +3678,6 @@
                           <a:spcPts val="0"/>
                         </a:spcAft>
                       </a:pPr>
-                      <a:r>
-                        <a:rPr lang="en-US" sz="1400" cap="none" spc="0" dirty="0">
-                          <a:solidFill>
-                            <a:schemeClr val="bg1"/>
-                          </a:solidFill>
-                          <a:effectLst/>
-                        </a:rPr>
-                        <a:t>Anorexia Nervosa (AN)</a:t>
-                      </a:r>
                       <a:endParaRPr lang="en-US" sz="1400" cap="none" spc="0" dirty="0">
                         <a:solidFill>
                           <a:schemeClr val="bg1"/>
@@ -3696,15 +3691,29 @@
                   </a:txBody>
                   <a:tcPr marL="59009" marR="23701" marT="45392" marB="45392"/>
                 </a:tc>
-                <a:tc hMerge="1">
-                  <a:txBody>
-                    <a:bodyPr/>
-                    <a:lstStyle/>
-                    <a:p>
-                      <a:endParaRPr lang="en-US"/>
-                    </a:p>
-                  </a:txBody>
-                  <a:tcPr/>
+                <a:tc gridSpan="4">
+                  <a:txBody>
+                    <a:bodyPr/>
+                    <a:lstStyle/>
+                    <a:p>
+                      <a:pPr algn="ctr"/>
+                      <a:r>
+                        <a:rPr lang="en-US" sz="1400" b="1" cap="none" spc="0" dirty="0">
+                          <a:solidFill>
+                            <a:schemeClr val="bg1"/>
+                          </a:solidFill>
+                          <a:effectLst/>
+                        </a:rPr>
+                        <a:t>Anorexia Nervosa (AN)</a:t>
+                      </a:r>
+                      <a:endParaRPr lang="en-US" b="1" dirty="0"/>
+                    </a:p>
+                  </a:txBody>
+                  <a:tcPr marL="59009" marR="23701" marT="45392" marB="45392">
+                    <a:solidFill>
+                      <a:schemeClr val="accent1"/>
+                    </a:solidFill>
+                  </a:tcPr>
                 </a:tc>
                 <a:tc hMerge="1">
                   <a:txBody>
@@ -3742,7 +3751,7 @@
                   </a:ext>
                 </a:extLst>
               </a:tr>
-              <a:tr h="517603">
+              <a:tr h="541407">
                 <a:tc>
                   <a:txBody>
                     <a:bodyPr/>
@@ -3825,7 +3834,7 @@
                           </a:solidFill>
                           <a:effectLst/>
                         </a:rPr>
-                        <a:t> &lt; -1) in the previous year</a:t>
+                        <a:t> &lt; -2) in the previous year</a:t>
                       </a:r>
                       <a:endParaRPr lang="en-US" sz="1000" cap="none" spc="0" dirty="0">
                         <a:solidFill>
@@ -3887,7 +3896,7 @@
                           </a:solidFill>
                           <a:effectLst/>
                         </a:rPr>
-                        <a:t> &lt; -1) in the previous year</a:t>
+                        <a:t> &lt; -2) in the previous year</a:t>
                       </a:r>
                       <a:endParaRPr lang="en-US" sz="1000" cap="none" spc="0" dirty="0">
                         <a:solidFill>
@@ -3915,7 +3924,37 @@
                           </a:solidFill>
                           <a:effectLst/>
                         </a:rPr>
-                        <a:t>Self-report or objective underweight (BMI &lt; 18.5)  within the previous year</a:t>
+                        <a:t>Self-report or objective underweight (</a:t>
+                      </a:r>
+                      <a:r>
+                        <a:rPr lang="en-US" sz="1000" cap="none" spc="0" dirty="0" err="1">
+                          <a:solidFill>
+                            <a:schemeClr val="tx1"/>
+                          </a:solidFill>
+                          <a:effectLst/>
+                        </a:rPr>
+                        <a:t>BMIz</a:t>
+                      </a:r>
+                      <a:r>
+                        <a:rPr lang="en-US" sz="1000" cap="none" spc="0" dirty="0">
+                          <a:solidFill>
+                            <a:schemeClr val="tx1"/>
+                          </a:solidFill>
+                          <a:effectLst/>
+                        </a:rPr>
+                        <a:t> &lt; </a:t>
+                      </a:r>
+                    </a:p>
+                    <a:p>
+                      <a:pPr marL="0" marR="0"/>
+                      <a:r>
+                        <a:rPr lang="en-US" sz="1000" cap="none" spc="0" dirty="0">
+                          <a:solidFill>
+                            <a:schemeClr val="tx1"/>
+                          </a:solidFill>
+                          <a:effectLst/>
+                        </a:rPr>
+                        <a:t>-2)  within the previous year</a:t>
                       </a:r>
                       <a:endParaRPr lang="en-US" sz="1000" cap="none" spc="0" dirty="0">
                         <a:solidFill>
@@ -3972,7 +4011,7 @@
                   </a:ext>
                 </a:extLst>
               </a:tr>
-              <a:tr h="0">
+              <a:tr h="842549">
                 <a:tc>
                   <a:txBody>
                     <a:bodyPr/>
@@ -4137,7 +4176,7 @@
                           </a:solidFill>
                           <a:effectLst/>
                         </a:rPr>
-                        <a:t> gain (child-report) </a:t>
+                        <a:t> gain </a:t>
                       </a:r>
                       <a:r>
                         <a:rPr lang="en-US" sz="1000" b="1" cap="none" spc="0" dirty="0">
@@ -4173,7 +4212,52 @@
                           </a:solidFill>
                           <a:effectLst/>
                         </a:rPr>
-                        <a:t>/shape concern (child-report) </a:t>
+                        <a:t>/shape concern  </a:t>
+                      </a:r>
+                      <a:r>
+                        <a:rPr lang="en-US" sz="1000" b="1" cap="none" spc="0" dirty="0">
+                          <a:solidFill>
+                            <a:schemeClr val="tx1"/>
+                          </a:solidFill>
+                          <a:effectLst/>
+                        </a:rPr>
+                        <a:t>OR</a:t>
+                      </a:r>
+                      <a:r>
+                        <a:rPr lang="en-US" sz="1000" cap="none" spc="0" dirty="0">
+                          <a:solidFill>
+                            <a:schemeClr val="tx1"/>
+                          </a:solidFill>
+                          <a:effectLst/>
+                        </a:rPr>
+                        <a:t> Body Dissatisfaction </a:t>
+                      </a:r>
+                      <a:r>
+                        <a:rPr lang="en-US" sz="1000" b="1" cap="none" spc="0" dirty="0">
+                          <a:solidFill>
+                            <a:schemeClr val="tx1"/>
+                          </a:solidFill>
+                          <a:effectLst/>
+                        </a:rPr>
+                        <a:t>OR </a:t>
+                      </a:r>
+                      <a:r>
+                        <a:rPr lang="en-US" sz="1000" b="0" cap="none" spc="0" dirty="0" err="1">
+                          <a:solidFill>
+                            <a:schemeClr val="tx1"/>
+                          </a:solidFill>
+                          <a:effectLst/>
+                        </a:rPr>
+                        <a:t>wt</a:t>
+                      </a:r>
+                      <a:r>
+                        <a:rPr lang="en-US" sz="1000" b="0" cap="none" spc="0" dirty="0">
+                          <a:solidFill>
+                            <a:schemeClr val="tx1"/>
+                          </a:solidFill>
+                          <a:effectLst/>
+                        </a:rPr>
+                        <a:t> loss intentions </a:t>
                       </a:r>
                       <a:r>
                         <a:rPr lang="en-US" sz="1000" b="1" cap="none" spc="0" dirty="0">
@@ -4316,7 +4400,7 @@
                           </a:solidFill>
                           <a:effectLst/>
                         </a:rPr>
-                        <a:t>Dieting (child-report) </a:t>
+                        <a:t>Dieting  </a:t>
                       </a:r>
                       <a:r>
                         <a:rPr lang="en-US" sz="1000" b="1" cap="none" spc="0" dirty="0">
@@ -4510,7 +4594,7 @@
                           <a:ea typeface="Times New Roman" panose="02020603050405020304" pitchFamily="18" charset="0"/>
                           <a:cs typeface="Times New Roman" panose="02020603050405020304" pitchFamily="18" charset="0"/>
                         </a:rPr>
-                        <a:t> Weight Perception </a:t>
+                        <a:t> </a:t>
                       </a:r>
                       <a:r>
                         <a:rPr lang="en-US" sz="1000" b="0" cap="none" spc="0" dirty="0" err="1">
@@ -4776,8 +4860,8 @@
                   </a:ext>
                 </a:extLst>
               </a:tr>
-              <a:tr h="283190">
-                <a:tc gridSpan="5">
+              <a:tr h="300494">
+                <a:tc>
                   <a:txBody>
                     <a:bodyPr/>
                     <a:lstStyle/>
@@ -4790,15 +4874,6 @@
                           <a:spcPts val="0"/>
                         </a:spcAft>
                       </a:pPr>
-                      <a:r>
-                        <a:rPr lang="en-US" sz="1400" cap="none" spc="0" dirty="0">
-                          <a:solidFill>
-                            <a:schemeClr val="bg1"/>
-                          </a:solidFill>
-                          <a:effectLst/>
-                        </a:rPr>
-                        <a:t>Bulimia Nervosa (BN)</a:t>
-                      </a:r>
                       <a:endParaRPr lang="en-US" sz="1400" cap="none" spc="0" dirty="0">
                         <a:solidFill>
                           <a:schemeClr val="bg1"/>
@@ -4812,15 +4887,29 @@
                   </a:txBody>
                   <a:tcPr marL="59009" marR="23701" marT="45392" marB="45392"/>
                 </a:tc>
-                <a:tc hMerge="1">
-                  <a:txBody>
-                    <a:bodyPr/>
-                    <a:lstStyle/>
-                    <a:p>
-                      <a:endParaRPr lang="en-US"/>
-                    </a:p>
-                  </a:txBody>
-                  <a:tcPr/>
+                <a:tc gridSpan="4">
+                  <a:txBody>
+                    <a:bodyPr/>
+                    <a:lstStyle/>
+                    <a:p>
+                      <a:pPr algn="ctr"/>
+                      <a:r>
+                        <a:rPr lang="en-US" sz="1400" b="1" cap="none" spc="0" dirty="0">
+                          <a:solidFill>
+                            <a:schemeClr val="bg1"/>
+                          </a:solidFill>
+                          <a:effectLst/>
+                        </a:rPr>
+                        <a:t>Bulimia Nervosa (BN)</a:t>
+                      </a:r>
+                      <a:endParaRPr lang="en-US" b="1" dirty="0"/>
+                    </a:p>
+                  </a:txBody>
+                  <a:tcPr marL="59009" marR="23701" marT="45392" marB="45392">
+                    <a:solidFill>
+                      <a:schemeClr val="accent1"/>
+                    </a:solidFill>
+                  </a:tcPr>
                 </a:tc>
                 <a:tc hMerge="1">
                   <a:txBody>
@@ -4858,7 +4947,7 @@
                   </a:ext>
                 </a:extLst>
               </a:tr>
-              <a:tr h="254810">
+              <a:tr h="270380">
                 <a:tc>
                   <a:txBody>
                     <a:bodyPr/>
@@ -4879,7 +4968,7 @@
                           </a:solidFill>
                           <a:effectLst/>
                         </a:rPr>
-                        <a:t>Regular Binge Eating </a:t>
+                        <a:t>Regular Binge Eating  (BE)</a:t>
                       </a:r>
                       <a:endParaRPr lang="en-US" sz="1200" cap="none" spc="0" dirty="0">
                         <a:solidFill>
@@ -4908,13 +4997,13 @@
                         </a:spcAft>
                       </a:pPr>
                       <a:r>
-                        <a:rPr lang="en-US" sz="1000" cap="none" spc="0">
-                          <a:solidFill>
-                            <a:schemeClr val="tx1"/>
-                          </a:solidFill>
-                          <a:effectLst/>
-                        </a:rPr>
-                        <a:t>Weekly binge eating</a:t>
+                        <a:rPr lang="en-US" sz="1000" cap="none" spc="0" dirty="0">
+                          <a:solidFill>
+                            <a:schemeClr val="tx1"/>
+                          </a:solidFill>
+                          <a:effectLst/>
+                        </a:rPr>
+                        <a:t>Weekly BE</a:t>
                       </a:r>
                       <a:endParaRPr lang="en-US" sz="1000" cap="none" spc="0" dirty="0">
                         <a:solidFill>
@@ -4936,15 +5025,15 @@
                     <a:p>
                       <a:pPr marL="0" marR="0"/>
                       <a:r>
-                        <a:rPr lang="en-US" sz="1000" cap="none" spc="0">
-                          <a:solidFill>
-                            <a:schemeClr val="tx1"/>
-                          </a:solidFill>
-                          <a:effectLst/>
-                        </a:rPr>
-                        <a:t>Weekly binge eating</a:t>
-                      </a:r>
-                      <a:endParaRPr lang="en-US" sz="1000" cap="none" spc="0">
+                        <a:rPr lang="en-US" sz="1000" cap="none" spc="0" dirty="0">
+                          <a:solidFill>
+                            <a:schemeClr val="tx1"/>
+                          </a:solidFill>
+                          <a:effectLst/>
+                        </a:rPr>
+                        <a:t>Weekly BE</a:t>
+                      </a:r>
+                      <a:endParaRPr lang="en-US" sz="1000" cap="none" spc="0" dirty="0">
                         <a:solidFill>
                           <a:schemeClr val="tx1"/>
                         </a:solidFill>
@@ -4971,13 +5060,195 @@
                         </a:spcAft>
                       </a:pPr>
                       <a:r>
+                        <a:rPr lang="en-US" sz="1000" cap="none" spc="0" dirty="0">
+                          <a:solidFill>
+                            <a:schemeClr val="tx1"/>
+                          </a:solidFill>
+                          <a:effectLst/>
+                        </a:rPr>
+                        <a:t>Weekly BE</a:t>
+                      </a:r>
+                      <a:endParaRPr lang="en-US" sz="1000" cap="none" spc="0" dirty="0">
+                        <a:solidFill>
+                          <a:schemeClr val="tx1"/>
+                        </a:solidFill>
+                        <a:effectLst/>
+                        <a:latin typeface="Calibri" panose="020F0502020204030204" pitchFamily="34" charset="0"/>
+                        <a:ea typeface="Calibri" panose="020F0502020204030204" pitchFamily="34" charset="0"/>
+                        <a:cs typeface="Times New Roman" panose="02020603050405020304" pitchFamily="18" charset="0"/>
+                      </a:endParaRPr>
+                    </a:p>
+                  </a:txBody>
+                  <a:tcPr marL="59009" marR="23701" marT="45392" marB="45392"/>
+                </a:tc>
+                <a:tc>
+                  <a:txBody>
+                    <a:bodyPr/>
+                    <a:lstStyle/>
+                    <a:p>
+                      <a:pPr marL="0" marR="0">
+                        <a:spcBef>
+                          <a:spcPts val="0"/>
+                        </a:spcBef>
+                        <a:spcAft>
+                          <a:spcPts val="0"/>
+                        </a:spcAft>
+                      </a:pPr>
+                      <a:r>
+                        <a:rPr lang="en-US" sz="1000" cap="none" spc="0" dirty="0">
+                          <a:solidFill>
+                            <a:schemeClr val="tx1"/>
+                          </a:solidFill>
+                          <a:effectLst/>
+                        </a:rPr>
+                        <a:t>Weekly BE</a:t>
+                      </a:r>
+                      <a:endParaRPr lang="en-US" sz="1000" cap="none" spc="0" dirty="0">
+                        <a:solidFill>
+                          <a:schemeClr val="tx1"/>
+                        </a:solidFill>
+                        <a:effectLst/>
+                        <a:latin typeface="Calibri" panose="020F0502020204030204" pitchFamily="34" charset="0"/>
+                        <a:ea typeface="Calibri" panose="020F0502020204030204" pitchFamily="34" charset="0"/>
+                        <a:cs typeface="Times New Roman" panose="02020603050405020304" pitchFamily="18" charset="0"/>
+                      </a:endParaRPr>
+                    </a:p>
+                  </a:txBody>
+                  <a:tcPr marL="59009" marR="23701" marT="45392" marB="45392"/>
+                </a:tc>
+                <a:extLst>
+                  <a:ext uri="{0D108BD9-81ED-4DB2-BD59-A6C34878D82A}">
+                    <a16:rowId xmlns:a16="http://schemas.microsoft.com/office/drawing/2014/main" val="633554383"/>
+                  </a:ext>
+                </a:extLst>
+              </a:tr>
+              <a:tr h="270380">
+                <a:tc>
+                  <a:txBody>
+                    <a:bodyPr/>
+                    <a:lstStyle/>
+                    <a:p>
+                      <a:pPr marL="0" marR="0">
+                        <a:spcBef>
+                          <a:spcPts val="0"/>
+                        </a:spcBef>
+                        <a:spcAft>
+                          <a:spcPts val="0"/>
+                        </a:spcAft>
+                      </a:pPr>
+                      <a:r>
+                        <a:rPr lang="en-US" sz="1200" cap="none" spc="0" dirty="0">
+                          <a:solidFill>
+                            <a:schemeClr val="bg1"/>
+                          </a:solidFill>
+                          <a:effectLst/>
+                        </a:rPr>
+                        <a:t>Regular Purging </a:t>
+                      </a:r>
+                      <a:endParaRPr lang="en-US" sz="1200" cap="none" spc="0" dirty="0">
+                        <a:solidFill>
+                          <a:schemeClr val="bg1"/>
+                        </a:solidFill>
+                        <a:effectLst/>
+                        <a:latin typeface="Calibri" panose="020F0502020204030204" pitchFamily="34" charset="0"/>
+                        <a:ea typeface="Calibri" panose="020F0502020204030204" pitchFamily="34" charset="0"/>
+                        <a:cs typeface="Times New Roman" panose="02020603050405020304" pitchFamily="18" charset="0"/>
+                      </a:endParaRPr>
+                    </a:p>
+                  </a:txBody>
+                  <a:tcPr marL="59009" marR="23701" marT="45392" marB="45392"/>
+                </a:tc>
+                <a:tc>
+                  <a:txBody>
+                    <a:bodyPr/>
+                    <a:lstStyle/>
+                    <a:p>
+                      <a:pPr marL="0" marR="0">
+                        <a:spcBef>
+                          <a:spcPts val="0"/>
+                        </a:spcBef>
+                        <a:spcAft>
+                          <a:spcPts val="0"/>
+                        </a:spcAft>
+                      </a:pPr>
+                      <a:r>
                         <a:rPr lang="en-US" sz="1000" cap="none" spc="0">
                           <a:solidFill>
                             <a:schemeClr val="tx1"/>
                           </a:solidFill>
                           <a:effectLst/>
                         </a:rPr>
-                        <a:t>Weekly binge eating </a:t>
+                        <a:t>Weekly purging </a:t>
+                      </a:r>
+                      <a:endParaRPr lang="en-US" sz="1000" cap="none" spc="0" dirty="0">
+                        <a:solidFill>
+                          <a:schemeClr val="bg1"/>
+                        </a:solidFill>
+                        <a:effectLst/>
+                        <a:latin typeface="Calibri" panose="020F0502020204030204" pitchFamily="34" charset="0"/>
+                        <a:ea typeface="Calibri" panose="020F0502020204030204" pitchFamily="34" charset="0"/>
+                        <a:cs typeface="Times New Roman" panose="02020603050405020304" pitchFamily="18" charset="0"/>
+                      </a:endParaRPr>
+                    </a:p>
+                  </a:txBody>
+                  <a:tcPr marL="59009" marR="23701" marT="45392" marB="45392"/>
+                </a:tc>
+                <a:tc>
+                  <a:txBody>
+                    <a:bodyPr/>
+                    <a:lstStyle/>
+                    <a:p>
+                      <a:pPr marL="0" marR="0">
+                        <a:spcBef>
+                          <a:spcPts val="0"/>
+                        </a:spcBef>
+                        <a:spcAft>
+                          <a:spcPts val="0"/>
+                        </a:spcAft>
+                      </a:pPr>
+                      <a:r>
+                        <a:rPr lang="en-US" sz="1000" cap="none" spc="0">
+                          <a:solidFill>
+                            <a:schemeClr val="tx1"/>
+                          </a:solidFill>
+                          <a:effectLst/>
+                        </a:rPr>
+                        <a:t>Weekly purging </a:t>
+                      </a:r>
+                      <a:endParaRPr lang="en-US" sz="1000" cap="none" spc="0" dirty="0">
+                        <a:solidFill>
+                          <a:schemeClr val="tx1"/>
+                        </a:solidFill>
+                        <a:effectLst/>
+                        <a:latin typeface="Calibri" panose="020F0502020204030204" pitchFamily="34" charset="0"/>
+                        <a:ea typeface="Calibri" panose="020F0502020204030204" pitchFamily="34" charset="0"/>
+                        <a:cs typeface="Times New Roman" panose="02020603050405020304" pitchFamily="18" charset="0"/>
+                      </a:endParaRPr>
+                    </a:p>
+                  </a:txBody>
+                  <a:tcPr marL="59009" marR="23701" marT="45392" marB="45392"/>
+                </a:tc>
+                <a:tc>
+                  <a:txBody>
+                    <a:bodyPr/>
+                    <a:lstStyle/>
+                    <a:p>
+                      <a:pPr marL="0" marR="0">
+                        <a:spcBef>
+                          <a:spcPts val="0"/>
+                        </a:spcBef>
+                        <a:spcAft>
+                          <a:spcPts val="0"/>
+                        </a:spcAft>
+                      </a:pPr>
+                      <a:r>
+                        <a:rPr lang="en-US" sz="1000" cap="none" spc="0">
+                          <a:solidFill>
+                            <a:schemeClr val="tx1"/>
+                          </a:solidFill>
+                          <a:effectLst/>
+                        </a:rPr>
+                        <a:t>Weekly purging</a:t>
                       </a:r>
                       <a:endParaRPr lang="en-US" sz="1000" cap="none" spc="0">
                         <a:solidFill>
@@ -5012,9 +5283,9 @@
                           </a:solidFill>
                           <a:effectLst/>
                         </a:rPr>
-                        <a:t>Weekly binge eating </a:t>
-                      </a:r>
-                      <a:endParaRPr lang="en-US" sz="1000" cap="none" spc="0">
+                        <a:t>Weekly purging </a:t>
+                      </a:r>
+                      <a:endParaRPr lang="en-US" sz="1000" cap="none" spc="0" dirty="0">
                         <a:solidFill>
                           <a:schemeClr val="tx1"/>
                         </a:solidFill>
@@ -5029,11 +5300,11 @@
                 </a:tc>
                 <a:extLst>
                   <a:ext uri="{0D108BD9-81ED-4DB2-BD59-A6C34878D82A}">
-                    <a16:rowId xmlns:a16="http://schemas.microsoft.com/office/drawing/2014/main" val="633554383"/>
+                    <a16:rowId xmlns:a16="http://schemas.microsoft.com/office/drawing/2014/main" val="3903137849"/>
                   </a:ext>
                 </a:extLst>
               </a:tr>
-              <a:tr h="257017">
+              <a:tr h="270380">
                 <a:tc>
                   <a:txBody>
                     <a:bodyPr/>
@@ -5048,13 +5319,22 @@
                         </a:spcAft>
                       </a:pPr>
                       <a:r>
+                        <a:rPr lang="en-US" sz="1200" cap="none" spc="0" dirty="0" err="1">
+                          <a:solidFill>
+                            <a:schemeClr val="bg1"/>
+                          </a:solidFill>
+                          <a:effectLst/>
+                        </a:rPr>
+                        <a:t>Wt</a:t>
+                      </a:r>
+                      <a:r>
                         <a:rPr lang="en-US" sz="1200" cap="none" spc="0" dirty="0">
                           <a:solidFill>
                             <a:schemeClr val="bg1"/>
                           </a:solidFill>
                           <a:effectLst/>
                         </a:rPr>
-                        <a:t>Regular Purging </a:t>
+                        <a:t>/Shape Overvalued</a:t>
                       </a:r>
                       <a:endParaRPr lang="en-US" sz="1200" cap="none" spc="0" dirty="0">
                         <a:solidFill>
@@ -5083,13 +5363,22 @@
                         </a:spcAft>
                       </a:pPr>
                       <a:r>
-                        <a:rPr lang="en-US" sz="1000" cap="none" spc="0">
-                          <a:solidFill>
-                            <a:schemeClr val="tx1"/>
-                          </a:solidFill>
-                          <a:effectLst/>
-                        </a:rPr>
-                        <a:t>Weekly purging </a:t>
+                        <a:rPr lang="en-US" sz="1000" cap="none" spc="0" dirty="0" err="1">
+                          <a:solidFill>
+                            <a:schemeClr val="tx1"/>
+                          </a:solidFill>
+                          <a:effectLst/>
+                        </a:rPr>
+                        <a:t>Wt</a:t>
+                      </a:r>
+                      <a:r>
+                        <a:rPr lang="en-US" sz="1000" cap="none" spc="0" dirty="0">
+                          <a:solidFill>
+                            <a:schemeClr val="tx1"/>
+                          </a:solidFill>
+                          <a:effectLst/>
+                        </a:rPr>
+                        <a:t>/Shape Concern OR  Body Dissatisfaction</a:t>
                       </a:r>
                       <a:endParaRPr lang="en-US" sz="1000" cap="none" spc="0" dirty="0">
                         <a:solidFill>
@@ -5118,13 +5407,276 @@
                         </a:spcAft>
                       </a:pPr>
                       <a:r>
+                        <a:rPr lang="en-US" sz="1000" cap="none" spc="0" dirty="0">
+                          <a:solidFill>
+                            <a:schemeClr val="tx1"/>
+                          </a:solidFill>
+                          <a:effectLst/>
+                          <a:latin typeface="Calibri" panose="020F0502020204030204" pitchFamily="34" charset="0"/>
+                          <a:ea typeface="Calibri" panose="020F0502020204030204" pitchFamily="34" charset="0"/>
+                          <a:cs typeface="Times New Roman" panose="02020603050405020304" pitchFamily="18" charset="0"/>
+                        </a:rPr>
+                        <a:t>*</a:t>
+                      </a:r>
+                    </a:p>
+                  </a:txBody>
+                  <a:tcPr marL="59009" marR="23701" marT="45392" marB="45392"/>
+                </a:tc>
+                <a:tc>
+                  <a:txBody>
+                    <a:bodyPr/>
+                    <a:lstStyle/>
+                    <a:p>
+                      <a:pPr marL="0" marR="0">
+                        <a:spcBef>
+                          <a:spcPts val="0"/>
+                        </a:spcBef>
+                        <a:spcAft>
+                          <a:spcPts val="0"/>
+                        </a:spcAft>
+                      </a:pPr>
+                      <a:r>
+                        <a:rPr lang="en-US" sz="1000" cap="none" spc="0" dirty="0" err="1">
+                          <a:solidFill>
+                            <a:schemeClr val="tx1"/>
+                          </a:solidFill>
+                          <a:effectLst/>
+                          <a:latin typeface="Calibri" panose="020F0502020204030204" pitchFamily="34" charset="0"/>
+                          <a:ea typeface="Calibri" panose="020F0502020204030204" pitchFamily="34" charset="0"/>
+                          <a:cs typeface="Times New Roman" panose="02020603050405020304" pitchFamily="18" charset="0"/>
+                        </a:rPr>
+                        <a:t>Wt</a:t>
+                      </a:r>
+                      <a:r>
+                        <a:rPr lang="en-US" sz="1000" cap="none" spc="0" dirty="0">
+                          <a:solidFill>
+                            <a:schemeClr val="tx1"/>
+                          </a:solidFill>
+                          <a:effectLst/>
+                          <a:latin typeface="Calibri" panose="020F0502020204030204" pitchFamily="34" charset="0"/>
+                          <a:ea typeface="Calibri" panose="020F0502020204030204" pitchFamily="34" charset="0"/>
+                          <a:cs typeface="Times New Roman" panose="02020603050405020304" pitchFamily="18" charset="0"/>
+                        </a:rPr>
+                        <a:t> Valuation</a:t>
+                      </a:r>
+                    </a:p>
+                  </a:txBody>
+                  <a:tcPr marL="59009" marR="23701" marT="45392" marB="45392"/>
+                </a:tc>
+                <a:tc>
+                  <a:txBody>
+                    <a:bodyPr/>
+                    <a:lstStyle/>
+                    <a:p>
+                      <a:pPr marL="0" marR="0">
+                        <a:spcBef>
+                          <a:spcPts val="0"/>
+                        </a:spcBef>
+                        <a:spcAft>
+                          <a:spcPts val="0"/>
+                        </a:spcAft>
+                      </a:pPr>
+                      <a:r>
+                        <a:rPr lang="en-US" sz="1000" cap="none" spc="0" dirty="0">
+                          <a:solidFill>
+                            <a:schemeClr val="tx1"/>
+                          </a:solidFill>
+                          <a:effectLst/>
+                          <a:latin typeface="Calibri" panose="020F0502020204030204" pitchFamily="34" charset="0"/>
+                          <a:ea typeface="Calibri" panose="020F0502020204030204" pitchFamily="34" charset="0"/>
+                          <a:cs typeface="Times New Roman" panose="02020603050405020304" pitchFamily="18" charset="0"/>
+                        </a:rPr>
+                        <a:t>Body Dissatisfaction</a:t>
+                      </a:r>
+                    </a:p>
+                  </a:txBody>
+                  <a:tcPr marL="59009" marR="23701" marT="45392" marB="45392"/>
+                </a:tc>
+                <a:extLst>
+                  <a:ext uri="{0D108BD9-81ED-4DB2-BD59-A6C34878D82A}">
+                    <a16:rowId xmlns:a16="http://schemas.microsoft.com/office/drawing/2014/main" val="1800558354"/>
+                  </a:ext>
+                </a:extLst>
+              </a:tr>
+              <a:tr h="300494">
+                <a:tc>
+                  <a:txBody>
+                    <a:bodyPr/>
+                    <a:lstStyle/>
+                    <a:p>
+                      <a:pPr marL="0" marR="0" algn="ctr">
+                        <a:spcBef>
+                          <a:spcPts val="0"/>
+                        </a:spcBef>
+                        <a:spcAft>
+                          <a:spcPts val="0"/>
+                        </a:spcAft>
+                      </a:pPr>
+                      <a:endParaRPr lang="en-US" sz="1400" cap="none" spc="0" dirty="0">
+                        <a:solidFill>
+                          <a:schemeClr val="bg1"/>
+                        </a:solidFill>
+                        <a:effectLst/>
+                        <a:latin typeface="Calibri" panose="020F0502020204030204" pitchFamily="34" charset="0"/>
+                        <a:ea typeface="Calibri" panose="020F0502020204030204" pitchFamily="34" charset="0"/>
+                        <a:cs typeface="Times New Roman" panose="02020603050405020304" pitchFamily="18" charset="0"/>
+                      </a:endParaRPr>
+                    </a:p>
+                  </a:txBody>
+                  <a:tcPr marL="59009" marR="23701" marT="45392" marB="45392"/>
+                </a:tc>
+                <a:tc gridSpan="4">
+                  <a:txBody>
+                    <a:bodyPr/>
+                    <a:lstStyle/>
+                    <a:p>
+                      <a:pPr algn="ctr"/>
+                      <a:r>
+                        <a:rPr lang="en-US" sz="1400" b="1" cap="none" spc="0" dirty="0">
+                          <a:solidFill>
+                            <a:schemeClr val="bg1"/>
+                          </a:solidFill>
+                          <a:effectLst/>
+                        </a:rPr>
+                        <a:t>Binge Eating Disorder (BED)</a:t>
+                      </a:r>
+                      <a:endParaRPr lang="en-US" b="1" dirty="0"/>
+                    </a:p>
+                  </a:txBody>
+                  <a:tcPr marL="59009" marR="23701" marT="45392" marB="45392">
+                    <a:solidFill>
+                      <a:schemeClr val="accent1"/>
+                    </a:solidFill>
+                  </a:tcPr>
+                </a:tc>
+                <a:tc hMerge="1">
+                  <a:txBody>
+                    <a:bodyPr/>
+                    <a:lstStyle/>
+                    <a:p>
+                      <a:endParaRPr lang="en-US"/>
+                    </a:p>
+                  </a:txBody>
+                  <a:tcPr/>
+                </a:tc>
+                <a:tc hMerge="1">
+                  <a:txBody>
+                    <a:bodyPr/>
+                    <a:lstStyle/>
+                    <a:p>
+                      <a:endParaRPr lang="en-US"/>
+                    </a:p>
+                  </a:txBody>
+                  <a:tcPr/>
+                </a:tc>
+                <a:tc hMerge="1">
+                  <a:txBody>
+                    <a:bodyPr/>
+                    <a:lstStyle/>
+                    <a:p>
+                      <a:endParaRPr lang="en-US"/>
+                    </a:p>
+                  </a:txBody>
+                  <a:tcPr/>
+                </a:tc>
+                <a:extLst>
+                  <a:ext uri="{0D108BD9-81ED-4DB2-BD59-A6C34878D82A}">
+                    <a16:rowId xmlns:a16="http://schemas.microsoft.com/office/drawing/2014/main" val="3932496597"/>
+                  </a:ext>
+                </a:extLst>
+              </a:tr>
+              <a:tr h="279570">
+                <a:tc>
+                  <a:txBody>
+                    <a:bodyPr/>
+                    <a:lstStyle/>
+                    <a:p>
+                      <a:pPr marL="0" marR="0">
+                        <a:spcBef>
+                          <a:spcPts val="0"/>
+                        </a:spcBef>
+                        <a:spcAft>
+                          <a:spcPts val="0"/>
+                        </a:spcAft>
+                      </a:pPr>
+                      <a:r>
+                        <a:rPr lang="en-US" sz="1200" cap="none" spc="0" dirty="0">
+                          <a:solidFill>
+                            <a:schemeClr val="bg1"/>
+                          </a:solidFill>
+                          <a:effectLst/>
+                        </a:rPr>
+                        <a:t>Regular BE Without Purging</a:t>
+                      </a:r>
+                      <a:endParaRPr lang="en-US" sz="1200" cap="none" spc="0" dirty="0">
+                        <a:solidFill>
+                          <a:schemeClr val="bg1"/>
+                        </a:solidFill>
+                        <a:effectLst/>
+                        <a:latin typeface="Calibri" panose="020F0502020204030204" pitchFamily="34" charset="0"/>
+                        <a:ea typeface="Calibri" panose="020F0502020204030204" pitchFamily="34" charset="0"/>
+                        <a:cs typeface="Times New Roman" panose="02020603050405020304" pitchFamily="18" charset="0"/>
+                      </a:endParaRPr>
+                    </a:p>
+                  </a:txBody>
+                  <a:tcPr marL="59009" marR="23701" marT="45392" marB="45392"/>
+                </a:tc>
+                <a:tc>
+                  <a:txBody>
+                    <a:bodyPr/>
+                    <a:lstStyle/>
+                    <a:p>
+                      <a:pPr marL="0" marR="0">
+                        <a:spcBef>
+                          <a:spcPts val="0"/>
+                        </a:spcBef>
+                        <a:spcAft>
+                          <a:spcPts val="0"/>
+                        </a:spcAft>
+                      </a:pPr>
+                      <a:r>
                         <a:rPr lang="en-US" sz="1000" cap="none" spc="0">
                           <a:solidFill>
                             <a:schemeClr val="tx1"/>
                           </a:solidFill>
                           <a:effectLst/>
                         </a:rPr>
-                        <a:t>Weekly purging </a:t>
+                        <a:t>Weekly binge eating, purging &lt; monthly</a:t>
+                      </a:r>
+                      <a:endParaRPr lang="en-US" sz="1000" cap="none" spc="0" dirty="0">
+                        <a:solidFill>
+                          <a:schemeClr val="bg1"/>
+                        </a:solidFill>
+                        <a:effectLst/>
+                        <a:latin typeface="Calibri" panose="020F0502020204030204" pitchFamily="34" charset="0"/>
+                        <a:ea typeface="Calibri" panose="020F0502020204030204" pitchFamily="34" charset="0"/>
+                        <a:cs typeface="Times New Roman" panose="02020603050405020304" pitchFamily="18" charset="0"/>
+                      </a:endParaRPr>
+                    </a:p>
+                  </a:txBody>
+                  <a:tcPr marL="59009" marR="23701" marT="45392" marB="45392"/>
+                </a:tc>
+                <a:tc>
+                  <a:txBody>
+                    <a:bodyPr/>
+                    <a:lstStyle/>
+                    <a:p>
+                      <a:pPr marL="0" marR="0">
+                        <a:spcBef>
+                          <a:spcPts val="0"/>
+                        </a:spcBef>
+                        <a:spcAft>
+                          <a:spcPts val="0"/>
+                        </a:spcAft>
+                      </a:pPr>
+                      <a:r>
+                        <a:rPr lang="en-US" sz="1000" cap="none" spc="0">
+                          <a:solidFill>
+                            <a:schemeClr val="tx1"/>
+                          </a:solidFill>
+                          <a:effectLst/>
+                        </a:rPr>
+                        <a:t>Weekly binge eating, purging &lt;1x/wk</a:t>
                       </a:r>
                       <a:endParaRPr lang="en-US" sz="1000" cap="none" spc="0" dirty="0">
                         <a:solidFill>
@@ -5153,48 +5705,22 @@
                         </a:spcAft>
                       </a:pPr>
                       <a:r>
-                        <a:rPr lang="en-US" sz="1000" cap="none" spc="0">
-                          <a:solidFill>
-                            <a:schemeClr val="tx1"/>
-                          </a:solidFill>
-                          <a:effectLst/>
-                        </a:rPr>
-                        <a:t>Weekly purging</a:t>
-                      </a:r>
-                      <a:endParaRPr lang="en-US" sz="1000" cap="none" spc="0">
-                        <a:solidFill>
-                          <a:schemeClr val="tx1"/>
-                        </a:solidFill>
-                        <a:effectLst/>
-                        <a:latin typeface="Calibri" panose="020F0502020204030204" pitchFamily="34" charset="0"/>
-                        <a:ea typeface="Calibri" panose="020F0502020204030204" pitchFamily="34" charset="0"/>
-                        <a:cs typeface="Times New Roman" panose="02020603050405020304" pitchFamily="18" charset="0"/>
-                      </a:endParaRPr>
-                    </a:p>
-                  </a:txBody>
-                  <a:tcPr marL="59009" marR="23701" marT="45392" marB="45392"/>
-                </a:tc>
-                <a:tc>
-                  <a:txBody>
-                    <a:bodyPr/>
-                    <a:lstStyle/>
-                    <a:p>
-                      <a:pPr marL="0" marR="0">
-                        <a:spcBef>
-                          <a:spcPts val="0"/>
-                        </a:spcBef>
-                        <a:spcAft>
-                          <a:spcPts val="0"/>
-                        </a:spcAft>
-                      </a:pPr>
-                      <a:r>
-                        <a:rPr lang="en-US" sz="1000" cap="none" spc="0">
-                          <a:solidFill>
-                            <a:schemeClr val="tx1"/>
-                          </a:solidFill>
-                          <a:effectLst/>
-                        </a:rPr>
-                        <a:t>Weekly purging </a:t>
+                        <a:rPr lang="en-US" sz="1000" cap="none" spc="0" dirty="0">
+                          <a:solidFill>
+                            <a:schemeClr val="tx1"/>
+                          </a:solidFill>
+                          <a:effectLst/>
+                        </a:rPr>
+                        <a:t>Weekly binge eating, purging &lt;1x/</a:t>
+                      </a:r>
+                      <a:r>
+                        <a:rPr lang="en-US" sz="1000" cap="none" spc="0" dirty="0" err="1">
+                          <a:solidFill>
+                            <a:schemeClr val="tx1"/>
+                          </a:solidFill>
+                          <a:effectLst/>
+                        </a:rPr>
+                        <a:t>wk</a:t>
                       </a:r>
                       <a:endParaRPr lang="en-US" sz="1000" cap="none" spc="0" dirty="0">
                         <a:solidFill>
@@ -5209,13 +5735,48 @@
                   </a:txBody>
                   <a:tcPr marL="59009" marR="23701" marT="45392" marB="45392"/>
                 </a:tc>
+                <a:tc>
+                  <a:txBody>
+                    <a:bodyPr/>
+                    <a:lstStyle/>
+                    <a:p>
+                      <a:pPr marL="0" marR="0">
+                        <a:spcBef>
+                          <a:spcPts val="0"/>
+                        </a:spcBef>
+                        <a:spcAft>
+                          <a:spcPts val="0"/>
+                        </a:spcAft>
+                      </a:pPr>
+                      <a:r>
+                        <a:rPr lang="en-US" sz="1000" cap="none" spc="0">
+                          <a:solidFill>
+                            <a:schemeClr val="tx1"/>
+                          </a:solidFill>
+                          <a:effectLst/>
+                        </a:rPr>
+                        <a:t>Weekly binge eating, purging &lt;1x/wk</a:t>
+                      </a:r>
+                      <a:endParaRPr lang="en-US" sz="1000" cap="none" spc="0" dirty="0">
+                        <a:solidFill>
+                          <a:schemeClr val="tx1"/>
+                        </a:solidFill>
+                        <a:effectLst/>
+                        <a:latin typeface="Calibri" panose="020F0502020204030204" pitchFamily="34" charset="0"/>
+                        <a:ea typeface="Calibri" panose="020F0502020204030204" pitchFamily="34" charset="0"/>
+                        <a:cs typeface="Times New Roman" panose="02020603050405020304" pitchFamily="18" charset="0"/>
+                      </a:endParaRPr>
+                    </a:p>
+                  </a:txBody>
+                  <a:tcPr marL="59009" marR="23701" marT="45392" marB="45392"/>
+                </a:tc>
                 <a:extLst>
                   <a:ext uri="{0D108BD9-81ED-4DB2-BD59-A6C34878D82A}">
-                    <a16:rowId xmlns:a16="http://schemas.microsoft.com/office/drawing/2014/main" val="3903137849"/>
+                    <a16:rowId xmlns:a16="http://schemas.microsoft.com/office/drawing/2014/main" val="2581954535"/>
                   </a:ext>
                 </a:extLst>
               </a:tr>
-              <a:tr h="254810">
+              <a:tr h="451065">
                 <a:tc>
                   <a:txBody>
                     <a:bodyPr/>
@@ -5230,22 +5791,13 @@
                         </a:spcAft>
                       </a:pPr>
                       <a:r>
-                        <a:rPr lang="en-US" sz="1200" cap="none" spc="0" dirty="0" err="1">
+                        <a:rPr lang="en-US" sz="1200" cap="none" spc="0" dirty="0">
                           <a:solidFill>
                             <a:schemeClr val="bg1"/>
                           </a:solidFill>
                           <a:effectLst/>
                         </a:rPr>
-                        <a:t>Wt</a:t>
-                      </a:r>
-                      <a:r>
-                        <a:rPr lang="en-US" sz="1200" cap="none" spc="0" dirty="0">
-                          <a:solidFill>
-                            <a:schemeClr val="bg1"/>
-                          </a:solidFill>
-                          <a:effectLst/>
-                        </a:rPr>
-                        <a:t>/Shape Overvalued</a:t>
+                        <a:t>Psychological  BE Symptoms</a:t>
                       </a:r>
                       <a:endParaRPr lang="en-US" sz="1200" cap="none" spc="0" dirty="0">
                         <a:solidFill>
@@ -5274,22 +5826,13 @@
                         </a:spcAft>
                       </a:pPr>
                       <a:r>
-                        <a:rPr lang="en-US" sz="1000" cap="none" spc="0" dirty="0" err="1">
-                          <a:solidFill>
-                            <a:schemeClr val="tx1"/>
-                          </a:solidFill>
-                          <a:effectLst/>
-                        </a:rPr>
-                        <a:t>Wt</a:t>
-                      </a:r>
-                      <a:r>
-                        <a:rPr lang="en-US" sz="1000" cap="none" spc="0" dirty="0">
-                          <a:solidFill>
-                            <a:schemeClr val="tx1"/>
-                          </a:solidFill>
-                          <a:effectLst/>
-                        </a:rPr>
-                        <a:t>/Shape Concern</a:t>
+                        <a:rPr lang="en-US" sz="1000" cap="none" spc="0" dirty="0">
+                          <a:solidFill>
+                            <a:schemeClr val="tx1"/>
+                          </a:solidFill>
+                          <a:effectLst/>
+                        </a:rPr>
+                        <a:t>3 out of 5 psychological binge eating symptoms reported</a:t>
                       </a:r>
                       <a:endParaRPr lang="en-US" sz="1000" cap="none" spc="0" dirty="0">
                         <a:solidFill>
@@ -5309,6 +5852,94 @@
                     <a:bodyPr/>
                     <a:lstStyle/>
                     <a:p>
+                      <a:pPr marL="0" marR="0" lvl="0" indent="0" algn="l" defTabSz="914400" rtl="0" eaLnBrk="1" fontAlgn="auto" latinLnBrk="0" hangingPunct="1">
+                        <a:lnSpc>
+                          <a:spcPct val="100000"/>
+                        </a:lnSpc>
+                        <a:spcBef>
+                          <a:spcPts val="0"/>
+                        </a:spcBef>
+                        <a:spcAft>
+                          <a:spcPts val="0"/>
+                        </a:spcAft>
+                        <a:buClrTx/>
+                        <a:buSzTx/>
+                        <a:buFontTx/>
+                        <a:buNone/>
+                        <a:tabLst/>
+                        <a:defRPr/>
+                      </a:pPr>
+                      <a:r>
+                        <a:rPr lang="en-US" sz="1000" cap="none" spc="0" dirty="0">
+                          <a:solidFill>
+                            <a:schemeClr val="tx1"/>
+                          </a:solidFill>
+                          <a:effectLst/>
+                        </a:rPr>
+                        <a:t>3 out of 5 psychological binge eating symptoms reported</a:t>
+                      </a:r>
+                      <a:endParaRPr lang="en-US" sz="1000" cap="none" spc="0" dirty="0">
+                        <a:solidFill>
+                          <a:schemeClr val="bg1"/>
+                        </a:solidFill>
+                        <a:effectLst/>
+                        <a:latin typeface="Calibri" panose="020F0502020204030204" pitchFamily="34" charset="0"/>
+                        <a:ea typeface="Calibri" panose="020F0502020204030204" pitchFamily="34" charset="0"/>
+                        <a:cs typeface="Times New Roman" panose="02020603050405020304" pitchFamily="18" charset="0"/>
+                      </a:endParaRPr>
+                    </a:p>
+                  </a:txBody>
+                  <a:tcPr marL="59009" marR="23701" marT="45392" marB="45392"/>
+                </a:tc>
+                <a:tc>
+                  <a:txBody>
+                    <a:bodyPr/>
+                    <a:lstStyle/>
+                    <a:p>
+                      <a:pPr marL="0" marR="0" lvl="0" indent="0" algn="l" defTabSz="914400" rtl="0" eaLnBrk="1" fontAlgn="auto" latinLnBrk="0" hangingPunct="1">
+                        <a:lnSpc>
+                          <a:spcPct val="100000"/>
+                        </a:lnSpc>
+                        <a:spcBef>
+                          <a:spcPts val="0"/>
+                        </a:spcBef>
+                        <a:spcAft>
+                          <a:spcPts val="0"/>
+                        </a:spcAft>
+                        <a:buClrTx/>
+                        <a:buSzTx/>
+                        <a:buFontTx/>
+                        <a:buNone/>
+                        <a:tabLst/>
+                        <a:defRPr/>
+                      </a:pPr>
+                      <a:r>
+                        <a:rPr lang="en-US" sz="1000" cap="none" spc="0" dirty="0">
+                          <a:solidFill>
+                            <a:schemeClr val="tx1"/>
+                          </a:solidFill>
+                          <a:effectLst/>
+                        </a:rPr>
+                        <a:t>3 out of 5 psychological binge eating symptoms reported</a:t>
+                      </a:r>
+                      <a:endParaRPr lang="en-US" sz="1000" cap="none" spc="0" dirty="0">
+                        <a:solidFill>
+                          <a:schemeClr val="bg1"/>
+                        </a:solidFill>
+                        <a:effectLst/>
+                        <a:latin typeface="Calibri" panose="020F0502020204030204" pitchFamily="34" charset="0"/>
+                        <a:ea typeface="Calibri" panose="020F0502020204030204" pitchFamily="34" charset="0"/>
+                        <a:cs typeface="Times New Roman" panose="02020603050405020304" pitchFamily="18" charset="0"/>
+                      </a:endParaRPr>
+                    </a:p>
+                  </a:txBody>
+                  <a:tcPr marL="59009" marR="23701" marT="45392" marB="45392"/>
+                </a:tc>
+                <a:tc>
+                  <a:txBody>
+                    <a:bodyPr/>
+                    <a:lstStyle/>
+                    <a:p>
                       <a:pPr marL="0" marR="0">
                         <a:spcBef>
                           <a:spcPts val="0"/>
@@ -5323,94 +5954,30 @@
                             <a:schemeClr val="tx1"/>
                           </a:solidFill>
                           <a:effectLst/>
-                          <a:latin typeface="Calibri" panose="020F0502020204030204" pitchFamily="34" charset="0"/>
-                          <a:ea typeface="Calibri" panose="020F0502020204030204" pitchFamily="34" charset="0"/>
-                          <a:cs typeface="Times New Roman" panose="02020603050405020304" pitchFamily="18" charset="0"/>
                         </a:rPr>
                         <a:t>*</a:t>
                       </a:r>
-                    </a:p>
-                  </a:txBody>
-                  <a:tcPr marL="59009" marR="23701" marT="45392" marB="45392"/>
-                </a:tc>
-                <a:tc>
-                  <a:txBody>
-                    <a:bodyPr/>
-                    <a:lstStyle/>
-                    <a:p>
-                      <a:pPr marL="0" marR="0">
-                        <a:spcBef>
-                          <a:spcPts val="0"/>
-                        </a:spcBef>
-                        <a:spcAft>
-                          <a:spcPts val="0"/>
-                        </a:spcAft>
-                      </a:pPr>
-                      <a:r>
-                        <a:rPr lang="en-US" sz="1000" cap="none" spc="0" dirty="0" err="1">
-                          <a:solidFill>
-                            <a:schemeClr val="tx1"/>
-                          </a:solidFill>
-                          <a:effectLst/>
-                          <a:latin typeface="Calibri" panose="020F0502020204030204" pitchFamily="34" charset="0"/>
-                          <a:ea typeface="Calibri" panose="020F0502020204030204" pitchFamily="34" charset="0"/>
-                          <a:cs typeface="Times New Roman" panose="02020603050405020304" pitchFamily="18" charset="0"/>
-                        </a:rPr>
-                        <a:t>Wt</a:t>
-                      </a:r>
-                      <a:r>
-                        <a:rPr lang="en-US" sz="1000" cap="none" spc="0" dirty="0">
-                          <a:solidFill>
-                            <a:schemeClr val="tx1"/>
-                          </a:solidFill>
-                          <a:effectLst/>
-                          <a:latin typeface="Calibri" panose="020F0502020204030204" pitchFamily="34" charset="0"/>
-                          <a:ea typeface="Calibri" panose="020F0502020204030204" pitchFamily="34" charset="0"/>
-                          <a:cs typeface="Times New Roman" panose="02020603050405020304" pitchFamily="18" charset="0"/>
-                        </a:rPr>
-                        <a:t> Valuation</a:t>
-                      </a:r>
-                    </a:p>
-                  </a:txBody>
-                  <a:tcPr marL="59009" marR="23701" marT="45392" marB="45392"/>
-                </a:tc>
-                <a:tc>
-                  <a:txBody>
-                    <a:bodyPr/>
-                    <a:lstStyle/>
-                    <a:p>
-                      <a:pPr marL="0" marR="0">
-                        <a:spcBef>
-                          <a:spcPts val="0"/>
-                        </a:spcBef>
-                        <a:spcAft>
-                          <a:spcPts val="0"/>
-                        </a:spcAft>
-                      </a:pPr>
-                      <a:r>
-                        <a:rPr lang="en-US" sz="1000" cap="none" spc="0" dirty="0">
-                          <a:solidFill>
-                            <a:schemeClr val="tx1"/>
-                          </a:solidFill>
-                          <a:effectLst/>
-                          <a:latin typeface="Calibri" panose="020F0502020204030204" pitchFamily="34" charset="0"/>
-                          <a:ea typeface="Calibri" panose="020F0502020204030204" pitchFamily="34" charset="0"/>
-                          <a:cs typeface="Times New Roman" panose="02020603050405020304" pitchFamily="18" charset="0"/>
-                        </a:rPr>
-                        <a:t>Body Dissatisfaction</a:t>
-                      </a:r>
+                      <a:endParaRPr lang="en-US" sz="1000" cap="none" spc="0" dirty="0">
+                        <a:solidFill>
+                          <a:schemeClr val="tx1"/>
+                        </a:solidFill>
+                        <a:effectLst/>
+                        <a:latin typeface="Calibri" panose="020F0502020204030204" pitchFamily="34" charset="0"/>
+                        <a:ea typeface="Calibri" panose="020F0502020204030204" pitchFamily="34" charset="0"/>
+                        <a:cs typeface="Times New Roman" panose="02020603050405020304" pitchFamily="18" charset="0"/>
+                      </a:endParaRPr>
                     </a:p>
                   </a:txBody>
                   <a:tcPr marL="59009" marR="23701" marT="45392" marB="45392"/>
                 </a:tc>
                 <a:extLst>
                   <a:ext uri="{0D108BD9-81ED-4DB2-BD59-A6C34878D82A}">
-                    <a16:rowId xmlns:a16="http://schemas.microsoft.com/office/drawing/2014/main" val="1800558354"/>
+                    <a16:rowId xmlns:a16="http://schemas.microsoft.com/office/drawing/2014/main" val="3211518621"/>
                   </a:ext>
                 </a:extLst>
               </a:tr>
-              <a:tr h="283190">
-                <a:tc gridSpan="5">
+              <a:tr h="300494">
+                <a:tc>
                   <a:txBody>
                     <a:bodyPr/>
                     <a:lstStyle/>
@@ -5423,15 +5990,6 @@
                           <a:spcPts val="0"/>
                         </a:spcAft>
                       </a:pPr>
-                      <a:r>
-                        <a:rPr lang="en-US" sz="1400" cap="none" spc="0" dirty="0">
-                          <a:solidFill>
-                            <a:schemeClr val="bg1"/>
-                          </a:solidFill>
-                          <a:effectLst/>
-                        </a:rPr>
-                        <a:t>Binge Eating Disorder (BED)</a:t>
-                      </a:r>
                       <a:endParaRPr lang="en-US" sz="1400" cap="none" spc="0" dirty="0">
                         <a:solidFill>
                           <a:schemeClr val="bg1"/>
@@ -5445,15 +6003,29 @@
                   </a:txBody>
                   <a:tcPr marL="59009" marR="23701" marT="45392" marB="45392"/>
                 </a:tc>
-                <a:tc hMerge="1">
-                  <a:txBody>
-                    <a:bodyPr/>
-                    <a:lstStyle/>
-                    <a:p>
-                      <a:endParaRPr lang="en-US"/>
-                    </a:p>
-                  </a:txBody>
-                  <a:tcPr/>
+                <a:tc gridSpan="4">
+                  <a:txBody>
+                    <a:bodyPr/>
+                    <a:lstStyle/>
+                    <a:p>
+                      <a:pPr algn="ctr"/>
+                      <a:r>
+                        <a:rPr lang="en-US" sz="1400" b="1" cap="none" spc="0" dirty="0">
+                          <a:solidFill>
+                            <a:schemeClr val="bg1"/>
+                          </a:solidFill>
+                          <a:effectLst/>
+                        </a:rPr>
+                        <a:t>BN Spectrum (Purging Disorder/Subclinical BN)</a:t>
+                      </a:r>
+                      <a:endParaRPr lang="en-US" b="1" dirty="0"/>
+                    </a:p>
+                  </a:txBody>
+                  <a:tcPr marL="59009" marR="23701" marT="45392" marB="45392">
+                    <a:solidFill>
+                      <a:schemeClr val="accent1"/>
+                    </a:solidFill>
+                  </a:tcPr>
                 </a:tc>
                 <a:tc hMerge="1">
                   <a:txBody>
@@ -5487,11 +6059,11 @@
                 </a:tc>
                 <a:extLst>
                   <a:ext uri="{0D108BD9-81ED-4DB2-BD59-A6C34878D82A}">
-                    <a16:rowId xmlns:a16="http://schemas.microsoft.com/office/drawing/2014/main" val="3932496597"/>
+                    <a16:rowId xmlns:a16="http://schemas.microsoft.com/office/drawing/2014/main" val="2537213986"/>
                   </a:ext>
                 </a:extLst>
               </a:tr>
-              <a:tr h="282966">
+              <a:tr h="451065">
                 <a:tc>
                   <a:txBody>
                     <a:bodyPr/>
@@ -5512,7 +6084,7 @@
                           </a:solidFill>
                           <a:effectLst/>
                         </a:rPr>
-                        <a:t>Regular BE Without Purging</a:t>
+                        <a:t>Purging without significant BE</a:t>
                       </a:r>
                       <a:endParaRPr lang="en-US" sz="1200" cap="none" spc="0" dirty="0">
                         <a:solidFill>
@@ -5541,13 +6113,13 @@
                         </a:spcAft>
                       </a:pPr>
                       <a:r>
-                        <a:rPr lang="en-US" sz="1000" cap="none" spc="0">
-                          <a:solidFill>
-                            <a:schemeClr val="tx1"/>
-                          </a:solidFill>
-                          <a:effectLst/>
-                        </a:rPr>
-                        <a:t>Weekly binge eating, purging &lt; monthly</a:t>
+                        <a:rPr lang="en-US" sz="1000" cap="none" spc="0" dirty="0">
+                          <a:solidFill>
+                            <a:schemeClr val="tx1"/>
+                          </a:solidFill>
+                          <a:effectLst/>
+                        </a:rPr>
+                        <a:t>Weekly Purging  with &lt; Weekly BE, or Monthly Purging with Monthly BE</a:t>
                       </a:r>
                       <a:endParaRPr lang="en-US" sz="1000" cap="none" spc="0" dirty="0">
                         <a:solidFill>
@@ -5567,26 +6139,35 @@
                     <a:bodyPr/>
                     <a:lstStyle/>
                     <a:p>
-                      <a:pPr marL="0" marR="0">
+                      <a:pPr marL="0" marR="0" lvl="0" indent="0" algn="l" defTabSz="914400" rtl="0" eaLnBrk="1" fontAlgn="auto" latinLnBrk="0" hangingPunct="1">
+                        <a:lnSpc>
+                          <a:spcPct val="100000"/>
+                        </a:lnSpc>
                         <a:spcBef>
                           <a:spcPts val="0"/>
                         </a:spcBef>
                         <a:spcAft>
                           <a:spcPts val="0"/>
                         </a:spcAft>
+                        <a:buClrTx/>
+                        <a:buSzTx/>
+                        <a:buFontTx/>
+                        <a:buNone/>
+                        <a:tabLst/>
+                        <a:defRPr/>
                       </a:pPr>
                       <a:r>
-                        <a:rPr lang="en-US" sz="1000" cap="none" spc="0">
-                          <a:solidFill>
-                            <a:schemeClr val="tx1"/>
-                          </a:solidFill>
-                          <a:effectLst/>
-                        </a:rPr>
-                        <a:t>Weekly binge eating, purging &lt;1x/wk</a:t>
+                        <a:rPr lang="en-US" sz="1000" cap="none" spc="0" dirty="0">
+                          <a:solidFill>
+                            <a:schemeClr val="tx1"/>
+                          </a:solidFill>
+                          <a:effectLst/>
+                        </a:rPr>
+                        <a:t>Weekly Purging  with &lt; Weekly BE, or Monthly Purging with Monthly BE</a:t>
                       </a:r>
                       <a:endParaRPr lang="en-US" sz="1000" cap="none" spc="0" dirty="0">
                         <a:solidFill>
-                          <a:schemeClr val="tx1"/>
+                          <a:schemeClr val="bg1"/>
                         </a:solidFill>
                         <a:effectLst/>
                         <a:latin typeface="Calibri" panose="020F0502020204030204" pitchFamily="34" charset="0"/>
@@ -5602,13 +6183,22 @@
                     <a:bodyPr/>
                     <a:lstStyle/>
                     <a:p>
-                      <a:pPr marL="0" marR="0">
+                      <a:pPr marL="0" marR="0" lvl="0" indent="0" algn="l" defTabSz="914400" rtl="0" eaLnBrk="1" fontAlgn="auto" latinLnBrk="0" hangingPunct="1">
+                        <a:lnSpc>
+                          <a:spcPct val="100000"/>
+                        </a:lnSpc>
                         <a:spcBef>
                           <a:spcPts val="0"/>
                         </a:spcBef>
                         <a:spcAft>
                           <a:spcPts val="0"/>
                         </a:spcAft>
+                        <a:buClrTx/>
+                        <a:buSzTx/>
+                        <a:buFontTx/>
+                        <a:buNone/>
+                        <a:tabLst/>
+                        <a:defRPr/>
                       </a:pPr>
                       <a:r>
                         <a:rPr lang="en-US" sz="1000" cap="none" spc="0" dirty="0">
@@ -5617,20 +6207,11 @@
                           </a:solidFill>
                           <a:effectLst/>
                         </a:rPr>
-                        <a:t>Weekly binge eating, purging &lt;1x/</a:t>
-                      </a:r>
-                      <a:r>
-                        <a:rPr lang="en-US" sz="1000" cap="none" spc="0" dirty="0" err="1">
-                          <a:solidFill>
-                            <a:schemeClr val="tx1"/>
-                          </a:solidFill>
-                          <a:effectLst/>
-                        </a:rPr>
-                        <a:t>wk</a:t>
+                        <a:t>Weekly Purging  with &lt; Weekly BE, or Monthly Purging with Monthly BE</a:t>
                       </a:r>
                       <a:endParaRPr lang="en-US" sz="1000" cap="none" spc="0" dirty="0">
                         <a:solidFill>
-                          <a:schemeClr val="tx1"/>
+                          <a:schemeClr val="bg1"/>
                         </a:solidFill>
                         <a:effectLst/>
                         <a:latin typeface="Calibri" panose="020F0502020204030204" pitchFamily="34" charset="0"/>
@@ -5646,26 +6227,35 @@
                     <a:bodyPr/>
                     <a:lstStyle/>
                     <a:p>
-                      <a:pPr marL="0" marR="0">
+                      <a:pPr marL="0" marR="0" lvl="0" indent="0" algn="l" defTabSz="914400" rtl="0" eaLnBrk="1" fontAlgn="auto" latinLnBrk="0" hangingPunct="1">
+                        <a:lnSpc>
+                          <a:spcPct val="100000"/>
+                        </a:lnSpc>
                         <a:spcBef>
                           <a:spcPts val="0"/>
                         </a:spcBef>
                         <a:spcAft>
                           <a:spcPts val="0"/>
                         </a:spcAft>
+                        <a:buClrTx/>
+                        <a:buSzTx/>
+                        <a:buFontTx/>
+                        <a:buNone/>
+                        <a:tabLst/>
+                        <a:defRPr/>
                       </a:pPr>
                       <a:r>
-                        <a:rPr lang="en-US" sz="1000" cap="none" spc="0">
-                          <a:solidFill>
-                            <a:schemeClr val="tx1"/>
-                          </a:solidFill>
-                          <a:effectLst/>
-                        </a:rPr>
-                        <a:t>Weekly binge eating, purging &lt;1x/wk</a:t>
+                        <a:rPr lang="en-US" sz="1000" cap="none" spc="0" dirty="0">
+                          <a:solidFill>
+                            <a:schemeClr val="tx1"/>
+                          </a:solidFill>
+                          <a:effectLst/>
+                        </a:rPr>
+                        <a:t>Weekly Purging  with &lt; Weekly BE, or Monthly Purging with Monthly BE</a:t>
                       </a:r>
                       <a:endParaRPr lang="en-US" sz="1000" cap="none" spc="0" dirty="0">
                         <a:solidFill>
-                          <a:schemeClr val="tx1"/>
+                          <a:schemeClr val="bg1"/>
                         </a:solidFill>
                         <a:effectLst/>
                         <a:latin typeface="Calibri" panose="020F0502020204030204" pitchFamily="34" charset="0"/>
@@ -5678,11 +6268,102 @@
                 </a:tc>
                 <a:extLst>
                   <a:ext uri="{0D108BD9-81ED-4DB2-BD59-A6C34878D82A}">
-                    <a16:rowId xmlns:a16="http://schemas.microsoft.com/office/drawing/2014/main" val="2581954535"/>
+                    <a16:rowId xmlns:a16="http://schemas.microsoft.com/office/drawing/2014/main" val="3944145144"/>
                   </a:ext>
                 </a:extLst>
               </a:tr>
-              <a:tr h="424630">
+              <a:tr h="300494">
+                <a:tc>
+                  <a:txBody>
+                    <a:bodyPr/>
+                    <a:lstStyle/>
+                    <a:p>
+                      <a:pPr marL="0" marR="0" algn="ctr">
+                        <a:spcBef>
+                          <a:spcPts val="0"/>
+                        </a:spcBef>
+                        <a:spcAft>
+                          <a:spcPts val="0"/>
+                        </a:spcAft>
+                      </a:pPr>
+                      <a:endParaRPr lang="en-US" sz="1400" cap="none" spc="0" dirty="0">
+                        <a:solidFill>
+                          <a:schemeClr val="bg1"/>
+                        </a:solidFill>
+                        <a:effectLst/>
+                        <a:latin typeface="Calibri" panose="020F0502020204030204" pitchFamily="34" charset="0"/>
+                        <a:ea typeface="Calibri" panose="020F0502020204030204" pitchFamily="34" charset="0"/>
+                        <a:cs typeface="Times New Roman" panose="02020603050405020304" pitchFamily="18" charset="0"/>
+                      </a:endParaRPr>
+                    </a:p>
+                  </a:txBody>
+                  <a:tcPr marL="59009" marR="23701" marT="45392" marB="45392">
+                    <a:solidFill>
+                      <a:schemeClr val="accent1"/>
+                    </a:solidFill>
+                  </a:tcPr>
+                </a:tc>
+                <a:tc gridSpan="4">
+                  <a:txBody>
+                    <a:bodyPr/>
+                    <a:lstStyle/>
+                    <a:p>
+                      <a:pPr algn="ctr"/>
+                      <a:r>
+                        <a:rPr lang="en-US" sz="1400" b="1" cap="none" spc="0" dirty="0">
+                          <a:solidFill>
+                            <a:schemeClr val="bg1"/>
+                          </a:solidFill>
+                          <a:effectLst/>
+                        </a:rPr>
+                        <a:t>BED Spectrum (Subclinical BED)</a:t>
+                      </a:r>
+                      <a:endParaRPr lang="en-US" b="1" dirty="0"/>
+                    </a:p>
+                  </a:txBody>
+                  <a:tcPr marL="59009" marR="23701" marT="45392" marB="45392">
+                    <a:solidFill>
+                      <a:schemeClr val="accent1"/>
+                    </a:solidFill>
+                  </a:tcPr>
+                </a:tc>
+                <a:tc hMerge="1">
+                  <a:txBody>
+                    <a:bodyPr/>
+                    <a:lstStyle/>
+                    <a:p>
+                      <a:endParaRPr lang="en-US"/>
+                    </a:p>
+                  </a:txBody>
+                  <a:tcPr/>
+                </a:tc>
+                <a:tc hMerge="1">
+                  <a:txBody>
+                    <a:bodyPr/>
+                    <a:lstStyle/>
+                    <a:p>
+                      <a:endParaRPr lang="en-US"/>
+                    </a:p>
+                  </a:txBody>
+                  <a:tcPr/>
+                </a:tc>
+                <a:tc hMerge="1">
+                  <a:txBody>
+                    <a:bodyPr/>
+                    <a:lstStyle/>
+                    <a:p>
+                      <a:endParaRPr lang="en-US"/>
+                    </a:p>
+                  </a:txBody>
+                  <a:tcPr/>
+                </a:tc>
+                <a:extLst>
+                  <a:ext uri="{0D108BD9-81ED-4DB2-BD59-A6C34878D82A}">
+                    <a16:rowId xmlns:a16="http://schemas.microsoft.com/office/drawing/2014/main" val="1942777290"/>
+                  </a:ext>
+                </a:extLst>
+              </a:tr>
+              <a:tr h="270380">
                 <a:tc>
                   <a:txBody>
                     <a:bodyPr/>
@@ -5697,13 +6378,22 @@
                         </a:spcAft>
                       </a:pPr>
                       <a:r>
+                        <a:rPr lang="en-US" sz="1000" cap="none" spc="0" dirty="0">
+                          <a:solidFill>
+                            <a:schemeClr val="bg1"/>
+                          </a:solidFill>
+                          <a:effectLst/>
+                        </a:rPr>
+                        <a:t> </a:t>
+                      </a:r>
+                      <a:r>
                         <a:rPr lang="en-US" sz="1200" cap="none" spc="0" dirty="0">
                           <a:solidFill>
                             <a:schemeClr val="bg1"/>
                           </a:solidFill>
                           <a:effectLst/>
                         </a:rPr>
-                        <a:t>Psychological  BE Symptoms</a:t>
+                        <a:t>Low-level BE frequency</a:t>
                       </a:r>
                       <a:endParaRPr lang="en-US" sz="1200" cap="none" spc="0" dirty="0">
                         <a:solidFill>
@@ -5738,7 +6428,7 @@
                           </a:solidFill>
                           <a:effectLst/>
                         </a:rPr>
-                        <a:t>3 out of 5 psychological binge eating symptoms reported</a:t>
+                        <a:t>Monthly BE without Purging </a:t>
                       </a:r>
                       <a:endParaRPr lang="en-US" sz="1000" cap="none" spc="0" dirty="0">
                         <a:solidFill>
@@ -5782,7 +6472,7 @@
                           </a:solidFill>
                           <a:effectLst/>
                         </a:rPr>
-                        <a:t>3 out of 5 psychological binge eating symptoms reported</a:t>
+                        <a:t> Monthly BE without Purging </a:t>
                       </a:r>
                       <a:endParaRPr lang="en-US" sz="1000" cap="none" spc="0" dirty="0">
                         <a:solidFill>
@@ -5826,7 +6516,7 @@
                           </a:solidFill>
                           <a:effectLst/>
                         </a:rPr>
-                        <a:t>3 out of 5 psychological binge eating symptoms reported</a:t>
+                        <a:t> Monthly BE without Purging </a:t>
                       </a:r>
                       <a:endParaRPr lang="en-US" sz="1000" cap="none" spc="0" dirty="0">
                         <a:solidFill>
@@ -5846,13 +6536,22 @@
                     <a:bodyPr/>
                     <a:lstStyle/>
                     <a:p>
-                      <a:pPr marL="0" marR="0">
+                      <a:pPr marL="0" marR="0" lvl="0" indent="0" algn="l" defTabSz="914400" rtl="0" eaLnBrk="1" fontAlgn="auto" latinLnBrk="0" hangingPunct="1">
+                        <a:lnSpc>
+                          <a:spcPct val="100000"/>
+                        </a:lnSpc>
                         <a:spcBef>
                           <a:spcPts val="0"/>
                         </a:spcBef>
                         <a:spcAft>
                           <a:spcPts val="0"/>
                         </a:spcAft>
+                        <a:buClrTx/>
+                        <a:buSzTx/>
+                        <a:buFontTx/>
+                        <a:buNone/>
+                        <a:tabLst/>
+                        <a:defRPr/>
                       </a:pPr>
                       <a:r>
                         <a:rPr lang="en-US" sz="1000" cap="none" spc="0" dirty="0">
@@ -5861,11 +6560,11 @@
                           </a:solidFill>
                           <a:effectLst/>
                         </a:rPr>
-                        <a:t>*</a:t>
+                        <a:t> Monthly BE without Purging </a:t>
                       </a:r>
                       <a:endParaRPr lang="en-US" sz="1000" cap="none" spc="0" dirty="0">
                         <a:solidFill>
-                          <a:schemeClr val="tx1"/>
+                          <a:schemeClr val="bg1"/>
                         </a:solidFill>
                         <a:effectLst/>
                         <a:latin typeface="Calibri" panose="020F0502020204030204" pitchFamily="34" charset="0"/>
@@ -5878,12 +6577,224 @@
                 </a:tc>
                 <a:extLst>
                   <a:ext uri="{0D108BD9-81ED-4DB2-BD59-A6C34878D82A}">
-                    <a16:rowId xmlns:a16="http://schemas.microsoft.com/office/drawing/2014/main" val="3211518621"/>
+                    <a16:rowId xmlns:a16="http://schemas.microsoft.com/office/drawing/2014/main" val="3691778145"/>
                   </a:ext>
                 </a:extLst>
               </a:tr>
-              <a:tr h="283190">
-                <a:tc gridSpan="5">
+              <a:tr h="390836">
+                <a:tc>
+                  <a:txBody>
+                    <a:bodyPr/>
+                    <a:lstStyle/>
+                    <a:p>
+                      <a:pPr marL="0" marR="0" lvl="0" indent="0" algn="l" defTabSz="914400" rtl="0" eaLnBrk="1" fontAlgn="auto" latinLnBrk="0" hangingPunct="1">
+                        <a:lnSpc>
+                          <a:spcPct val="100000"/>
+                        </a:lnSpc>
+                        <a:spcBef>
+                          <a:spcPts val="0"/>
+                        </a:spcBef>
+                        <a:spcAft>
+                          <a:spcPts val="0"/>
+                        </a:spcAft>
+                        <a:buClrTx/>
+                        <a:buSzTx/>
+                        <a:buFontTx/>
+                        <a:buNone/>
+                        <a:tabLst/>
+                        <a:defRPr/>
+                      </a:pPr>
+                      <a:r>
+                        <a:rPr lang="en-US" sz="1200" cap="none" spc="0" dirty="0">
+                          <a:solidFill>
+                            <a:schemeClr val="bg1"/>
+                          </a:solidFill>
+                          <a:effectLst/>
+                        </a:rPr>
+                        <a:t>Psychological  BE Symptoms</a:t>
+                      </a:r>
+                      <a:endParaRPr lang="en-US" sz="1200" cap="none" spc="0" dirty="0">
+                        <a:solidFill>
+                          <a:schemeClr val="bg1"/>
+                        </a:solidFill>
+                        <a:effectLst/>
+                        <a:latin typeface="Calibri" panose="020F0502020204030204" pitchFamily="34" charset="0"/>
+                        <a:ea typeface="Calibri" panose="020F0502020204030204" pitchFamily="34" charset="0"/>
+                        <a:cs typeface="Times New Roman" panose="02020603050405020304" pitchFamily="18" charset="0"/>
+                      </a:endParaRPr>
+                    </a:p>
+                    <a:p>
+                      <a:pPr marL="0" marR="0">
+                        <a:spcBef>
+                          <a:spcPts val="0"/>
+                        </a:spcBef>
+                        <a:spcAft>
+                          <a:spcPts val="0"/>
+                        </a:spcAft>
+                      </a:pPr>
+                      <a:endParaRPr lang="en-US" sz="1000" cap="none" spc="0" dirty="0">
+                        <a:solidFill>
+                          <a:schemeClr val="bg1"/>
+                        </a:solidFill>
+                        <a:effectLst/>
+                        <a:latin typeface="Calibri" panose="020F0502020204030204" pitchFamily="34" charset="0"/>
+                        <a:ea typeface="Calibri" panose="020F0502020204030204" pitchFamily="34" charset="0"/>
+                        <a:cs typeface="Times New Roman" panose="02020603050405020304" pitchFamily="18" charset="0"/>
+                      </a:endParaRPr>
+                    </a:p>
+                  </a:txBody>
+                  <a:tcPr marL="59009" marR="23701" marT="45392" marB="45392"/>
+                </a:tc>
+                <a:tc>
+                  <a:txBody>
+                    <a:bodyPr/>
+                    <a:lstStyle/>
+                    <a:p>
+                      <a:pPr marL="0" marR="0">
+                        <a:spcBef>
+                          <a:spcPts val="0"/>
+                        </a:spcBef>
+                        <a:spcAft>
+                          <a:spcPts val="0"/>
+                        </a:spcAft>
+                      </a:pPr>
+                      <a:r>
+                        <a:rPr lang="en-US" sz="1000" cap="none" spc="0" dirty="0">
+                          <a:solidFill>
+                            <a:schemeClr val="tx1"/>
+                          </a:solidFill>
+                          <a:effectLst/>
+                        </a:rPr>
+                        <a:t>3 out of 5 psychological binge eating symptoms reported</a:t>
+                      </a:r>
+                      <a:endParaRPr lang="en-US" sz="1000" cap="none" spc="0" dirty="0">
+                        <a:solidFill>
+                          <a:schemeClr val="bg1"/>
+                        </a:solidFill>
+                        <a:effectLst/>
+                        <a:latin typeface="Calibri" panose="020F0502020204030204" pitchFamily="34" charset="0"/>
+                        <a:ea typeface="Calibri" panose="020F0502020204030204" pitchFamily="34" charset="0"/>
+                        <a:cs typeface="Times New Roman" panose="02020603050405020304" pitchFamily="18" charset="0"/>
+                      </a:endParaRPr>
+                    </a:p>
+                  </a:txBody>
+                  <a:tcPr marL="59009" marR="23701" marT="45392" marB="45392"/>
+                </a:tc>
+                <a:tc>
+                  <a:txBody>
+                    <a:bodyPr/>
+                    <a:lstStyle/>
+                    <a:p>
+                      <a:pPr marL="0" marR="0" lvl="0" indent="0" algn="l" defTabSz="914400" rtl="0" eaLnBrk="1" fontAlgn="auto" latinLnBrk="0" hangingPunct="1">
+                        <a:lnSpc>
+                          <a:spcPct val="100000"/>
+                        </a:lnSpc>
+                        <a:spcBef>
+                          <a:spcPts val="0"/>
+                        </a:spcBef>
+                        <a:spcAft>
+                          <a:spcPts val="0"/>
+                        </a:spcAft>
+                        <a:buClrTx/>
+                        <a:buSzTx/>
+                        <a:buFontTx/>
+                        <a:buNone/>
+                        <a:tabLst/>
+                        <a:defRPr/>
+                      </a:pPr>
+                      <a:r>
+                        <a:rPr lang="en-US" sz="1000" cap="none" spc="0" dirty="0">
+                          <a:solidFill>
+                            <a:schemeClr val="tx1"/>
+                          </a:solidFill>
+                          <a:effectLst/>
+                        </a:rPr>
+                        <a:t> 3 out of 5 psychological binge eating symptoms reported</a:t>
+                      </a:r>
+                      <a:endParaRPr lang="en-US" sz="1000" cap="none" spc="0" dirty="0">
+                        <a:solidFill>
+                          <a:schemeClr val="bg1"/>
+                        </a:solidFill>
+                        <a:effectLst/>
+                        <a:latin typeface="Calibri" panose="020F0502020204030204" pitchFamily="34" charset="0"/>
+                        <a:ea typeface="Calibri" panose="020F0502020204030204" pitchFamily="34" charset="0"/>
+                        <a:cs typeface="Times New Roman" panose="02020603050405020304" pitchFamily="18" charset="0"/>
+                      </a:endParaRPr>
+                    </a:p>
+                  </a:txBody>
+                  <a:tcPr marL="59009" marR="23701" marT="45392" marB="45392"/>
+                </a:tc>
+                <a:tc>
+                  <a:txBody>
+                    <a:bodyPr/>
+                    <a:lstStyle/>
+                    <a:p>
+                      <a:pPr marL="0" marR="0" lvl="0" indent="0" algn="l" defTabSz="914400" rtl="0" eaLnBrk="1" fontAlgn="auto" latinLnBrk="0" hangingPunct="1">
+                        <a:lnSpc>
+                          <a:spcPct val="100000"/>
+                        </a:lnSpc>
+                        <a:spcBef>
+                          <a:spcPts val="0"/>
+                        </a:spcBef>
+                        <a:spcAft>
+                          <a:spcPts val="0"/>
+                        </a:spcAft>
+                        <a:buClrTx/>
+                        <a:buSzTx/>
+                        <a:buFontTx/>
+                        <a:buNone/>
+                        <a:tabLst/>
+                        <a:defRPr/>
+                      </a:pPr>
+                      <a:r>
+                        <a:rPr lang="en-US" sz="1000" cap="none" spc="0" dirty="0">
+                          <a:solidFill>
+                            <a:schemeClr val="tx1"/>
+                          </a:solidFill>
+                          <a:effectLst/>
+                        </a:rPr>
+                        <a:t> 3 out of 5 psychological binge eating symptoms reported</a:t>
+                      </a:r>
+                      <a:endParaRPr lang="en-US" sz="1000" cap="none" spc="0" dirty="0">
+                        <a:solidFill>
+                          <a:schemeClr val="bg1"/>
+                        </a:solidFill>
+                        <a:effectLst/>
+                        <a:latin typeface="Calibri" panose="020F0502020204030204" pitchFamily="34" charset="0"/>
+                        <a:ea typeface="Calibri" panose="020F0502020204030204" pitchFamily="34" charset="0"/>
+                        <a:cs typeface="Times New Roman" panose="02020603050405020304" pitchFamily="18" charset="0"/>
+                      </a:endParaRPr>
+                    </a:p>
+                  </a:txBody>
+                  <a:tcPr marL="59009" marR="23701" marT="45392" marB="45392"/>
+                </a:tc>
+                <a:tc>
+                  <a:txBody>
+                    <a:bodyPr/>
+                    <a:lstStyle/>
+                    <a:p>
+                      <a:r>
+                        <a:rPr lang="en-US" sz="1000" cap="none" spc="0" dirty="0">
+                          <a:solidFill>
+                            <a:schemeClr val="tx1"/>
+                          </a:solidFill>
+                          <a:effectLst/>
+                        </a:rPr>
+                        <a:t> *</a:t>
+                      </a:r>
+                      <a:endParaRPr lang="en-US" dirty="0"/>
+                    </a:p>
+                  </a:txBody>
+                  <a:tcPr marL="59009" marR="23701" marT="45392" marB="45392"/>
+                </a:tc>
+                <a:extLst>
+                  <a:ext uri="{0D108BD9-81ED-4DB2-BD59-A6C34878D82A}">
+                    <a16:rowId xmlns:a16="http://schemas.microsoft.com/office/drawing/2014/main" val="4179176799"/>
+                  </a:ext>
+                </a:extLst>
+              </a:tr>
+              <a:tr h="300494">
+                <a:tc>
                   <a:txBody>
                     <a:bodyPr/>
                     <a:lstStyle/>
@@ -5896,15 +6807,6 @@
                           <a:spcPts val="0"/>
                         </a:spcAft>
                       </a:pPr>
-                      <a:r>
-                        <a:rPr lang="en-US" sz="1400" cap="none" spc="0" dirty="0">
-                          <a:solidFill>
-                            <a:schemeClr val="bg1"/>
-                          </a:solidFill>
-                          <a:effectLst/>
-                        </a:rPr>
-                        <a:t>BN Spectrum (Purging Disorder OR Subclinical BN)</a:t>
-                      </a:r>
                       <a:endParaRPr lang="en-US" sz="1400" cap="none" spc="0" dirty="0">
                         <a:solidFill>
                           <a:schemeClr val="bg1"/>
@@ -5918,15 +6820,29 @@
                   </a:txBody>
                   <a:tcPr marL="59009" marR="23701" marT="45392" marB="45392"/>
                 </a:tc>
-                <a:tc hMerge="1">
-                  <a:txBody>
-                    <a:bodyPr/>
-                    <a:lstStyle/>
-                    <a:p>
-                      <a:endParaRPr lang="en-US"/>
-                    </a:p>
-                  </a:txBody>
-                  <a:tcPr/>
+                <a:tc gridSpan="4">
+                  <a:txBody>
+                    <a:bodyPr/>
+                    <a:lstStyle/>
+                    <a:p>
+                      <a:pPr algn="ctr"/>
+                      <a:r>
+                        <a:rPr lang="en-US" sz="1400" b="1" cap="none" spc="0" dirty="0">
+                          <a:solidFill>
+                            <a:schemeClr val="bg1"/>
+                          </a:solidFill>
+                          <a:effectLst/>
+                        </a:rPr>
+                        <a:t>Restrictive Spectrum</a:t>
+                      </a:r>
+                      <a:endParaRPr lang="en-US" b="1" dirty="0"/>
+                    </a:p>
+                  </a:txBody>
+                  <a:tcPr marL="59009" marR="23701" marT="45392" marB="45392">
+                    <a:solidFill>
+                      <a:schemeClr val="accent1"/>
+                    </a:solidFill>
+                  </a:tcPr>
                 </a:tc>
                 <a:tc hMerge="1">
                   <a:txBody>
@@ -5960,11 +6876,11 @@
                 </a:tc>
                 <a:extLst>
                   <a:ext uri="{0D108BD9-81ED-4DB2-BD59-A6C34878D82A}">
-                    <a16:rowId xmlns:a16="http://schemas.microsoft.com/office/drawing/2014/main" val="2537213986"/>
+                    <a16:rowId xmlns:a16="http://schemas.microsoft.com/office/drawing/2014/main" val="2361359139"/>
                   </a:ext>
                 </a:extLst>
               </a:tr>
-              <a:tr h="424630">
+              <a:tr h="451065">
                 <a:tc>
                   <a:txBody>
                     <a:bodyPr/>
@@ -5984,8 +6900,442 @@
                             <a:schemeClr val="bg1"/>
                           </a:solidFill>
                           <a:effectLst/>
-                        </a:rPr>
-                        <a:t>Purging without significant BE</a:t>
+                          <a:latin typeface="Calibri" panose="020F0502020204030204" pitchFamily="34" charset="0"/>
+                          <a:ea typeface="Calibri" panose="020F0502020204030204" pitchFamily="34" charset="0"/>
+                          <a:cs typeface="Times New Roman" panose="02020603050405020304" pitchFamily="18" charset="0"/>
+                        </a:rPr>
+                        <a:t>Cognitive fear of </a:t>
+                      </a:r>
+                      <a:r>
+                        <a:rPr lang="en-US" sz="1200" cap="none" spc="0" dirty="0" err="1">
+                          <a:solidFill>
+                            <a:schemeClr val="bg1"/>
+                          </a:solidFill>
+                          <a:effectLst/>
+                          <a:latin typeface="Calibri" panose="020F0502020204030204" pitchFamily="34" charset="0"/>
+                          <a:ea typeface="Calibri" panose="020F0502020204030204" pitchFamily="34" charset="0"/>
+                          <a:cs typeface="Times New Roman" panose="02020603050405020304" pitchFamily="18" charset="0"/>
+                        </a:rPr>
+                        <a:t>wt</a:t>
+                      </a:r>
+                      <a:r>
+                        <a:rPr lang="en-US" sz="1200" cap="none" spc="0" dirty="0">
+                          <a:solidFill>
+                            <a:schemeClr val="bg1"/>
+                          </a:solidFill>
+                          <a:effectLst/>
+                          <a:latin typeface="Calibri" panose="020F0502020204030204" pitchFamily="34" charset="0"/>
+                          <a:ea typeface="Calibri" panose="020F0502020204030204" pitchFamily="34" charset="0"/>
+                          <a:cs typeface="Times New Roman" panose="02020603050405020304" pitchFamily="18" charset="0"/>
+                        </a:rPr>
+                        <a:t> gain or </a:t>
+                      </a:r>
+                      <a:r>
+                        <a:rPr lang="en-US" sz="1200" cap="none" spc="0" dirty="0" err="1">
+                          <a:solidFill>
+                            <a:schemeClr val="bg1"/>
+                          </a:solidFill>
+                          <a:effectLst/>
+                          <a:latin typeface="Calibri" panose="020F0502020204030204" pitchFamily="34" charset="0"/>
+                          <a:ea typeface="Calibri" panose="020F0502020204030204" pitchFamily="34" charset="0"/>
+                          <a:cs typeface="Times New Roman" panose="02020603050405020304" pitchFamily="18" charset="0"/>
+                        </a:rPr>
+                        <a:t>wt</a:t>
+                      </a:r>
+                      <a:r>
+                        <a:rPr lang="en-US" sz="1200" cap="none" spc="0" dirty="0">
+                          <a:solidFill>
+                            <a:schemeClr val="bg1"/>
+                          </a:solidFill>
+                          <a:effectLst/>
+                          <a:latin typeface="Calibri" panose="020F0502020204030204" pitchFamily="34" charset="0"/>
+                          <a:ea typeface="Calibri" panose="020F0502020204030204" pitchFamily="34" charset="0"/>
+                          <a:cs typeface="Times New Roman" panose="02020603050405020304" pitchFamily="18" charset="0"/>
+                        </a:rPr>
+                        <a:t>/shape concern</a:t>
+                      </a:r>
+                    </a:p>
+                  </a:txBody>
+                  <a:tcPr marL="59009" marR="23701" marT="45392" marB="45392"/>
+                </a:tc>
+                <a:tc>
+                  <a:txBody>
+                    <a:bodyPr/>
+                    <a:lstStyle/>
+                    <a:p>
+                      <a:pPr marL="0" marR="0">
+                        <a:spcBef>
+                          <a:spcPts val="0"/>
+                        </a:spcBef>
+                        <a:spcAft>
+                          <a:spcPts val="0"/>
+                        </a:spcAft>
+                      </a:pPr>
+                      <a:r>
+                        <a:rPr lang="en-US" sz="1000" cap="none" spc="0" dirty="0">
+                          <a:solidFill>
+                            <a:schemeClr val="tx1"/>
+                          </a:solidFill>
+                          <a:effectLst/>
+                        </a:rPr>
+                        <a:t>Fear of </a:t>
+                      </a:r>
+                      <a:r>
+                        <a:rPr lang="en-US" sz="1000" cap="none" spc="0" dirty="0" err="1">
+                          <a:solidFill>
+                            <a:schemeClr val="tx1"/>
+                          </a:solidFill>
+                          <a:effectLst/>
+                        </a:rPr>
+                        <a:t>wt</a:t>
+                      </a:r>
+                      <a:r>
+                        <a:rPr lang="en-US" sz="1000" cap="none" spc="0" dirty="0">
+                          <a:solidFill>
+                            <a:schemeClr val="tx1"/>
+                          </a:solidFill>
+                          <a:effectLst/>
+                        </a:rPr>
+                        <a:t> gain </a:t>
+                      </a:r>
+                      <a:r>
+                        <a:rPr lang="en-US" sz="1000" b="1" cap="none" spc="0" dirty="0">
+                          <a:solidFill>
+                            <a:schemeClr val="tx1"/>
+                          </a:solidFill>
+                          <a:effectLst/>
+                        </a:rPr>
+                        <a:t>OR</a:t>
+                      </a:r>
+                      <a:r>
+                        <a:rPr lang="en-US" sz="1000" cap="none" spc="0" dirty="0">
+                          <a:solidFill>
+                            <a:schemeClr val="tx1"/>
+                          </a:solidFill>
+                          <a:effectLst/>
+                        </a:rPr>
+                        <a:t> </a:t>
+                      </a:r>
+                      <a:r>
+                        <a:rPr lang="en-US" sz="1000" cap="none" spc="0" dirty="0" err="1">
+                          <a:solidFill>
+                            <a:schemeClr val="tx1"/>
+                          </a:solidFill>
+                          <a:effectLst/>
+                        </a:rPr>
+                        <a:t>Wt</a:t>
+                      </a:r>
+                      <a:r>
+                        <a:rPr lang="en-US" sz="1000" cap="none" spc="0" dirty="0">
+                          <a:solidFill>
+                            <a:schemeClr val="tx1"/>
+                          </a:solidFill>
+                          <a:effectLst/>
+                        </a:rPr>
+                        <a:t>/Shape concern </a:t>
+                      </a:r>
+                      <a:r>
+                        <a:rPr lang="en-US" sz="1000" b="1" cap="none" spc="0" dirty="0">
+                          <a:solidFill>
+                            <a:schemeClr val="tx1"/>
+                          </a:solidFill>
+                          <a:effectLst/>
+                        </a:rPr>
+                        <a:t>OR</a:t>
+                      </a:r>
+                      <a:r>
+                        <a:rPr lang="en-US" sz="1000" cap="none" spc="0" dirty="0">
+                          <a:solidFill>
+                            <a:schemeClr val="tx1"/>
+                          </a:solidFill>
+                          <a:effectLst/>
+                        </a:rPr>
+                        <a:t> body dissatisfaction </a:t>
+                      </a:r>
+                      <a:r>
+                        <a:rPr lang="en-US" sz="1000" b="1" cap="none" spc="0" dirty="0">
+                          <a:solidFill>
+                            <a:schemeClr val="tx1"/>
+                          </a:solidFill>
+                          <a:effectLst/>
+                        </a:rPr>
+                        <a:t>OR</a:t>
+                      </a:r>
+                      <a:r>
+                        <a:rPr lang="en-US" sz="1000" cap="none" spc="0" dirty="0">
+                          <a:solidFill>
+                            <a:schemeClr val="tx1"/>
+                          </a:solidFill>
+                          <a:effectLst/>
+                        </a:rPr>
+                        <a:t> </a:t>
+                      </a:r>
+                      <a:r>
+                        <a:rPr lang="en-US" sz="1000" cap="none" spc="0" dirty="0" err="1">
+                          <a:solidFill>
+                            <a:schemeClr val="tx1"/>
+                          </a:solidFill>
+                          <a:effectLst/>
+                        </a:rPr>
+                        <a:t>Wt</a:t>
+                      </a:r>
+                      <a:r>
+                        <a:rPr lang="en-US" sz="1000" cap="none" spc="0" dirty="0">
+                          <a:solidFill>
+                            <a:schemeClr val="tx1"/>
+                          </a:solidFill>
+                          <a:effectLst/>
+                        </a:rPr>
+                        <a:t> loss intentions</a:t>
+                      </a:r>
+                      <a:endParaRPr lang="en-US" sz="1000" cap="none" spc="0" dirty="0">
+                        <a:solidFill>
+                          <a:schemeClr val="bg1"/>
+                        </a:solidFill>
+                        <a:effectLst/>
+                        <a:latin typeface="Calibri" panose="020F0502020204030204" pitchFamily="34" charset="0"/>
+                        <a:ea typeface="Calibri" panose="020F0502020204030204" pitchFamily="34" charset="0"/>
+                        <a:cs typeface="Times New Roman" panose="02020603050405020304" pitchFamily="18" charset="0"/>
+                      </a:endParaRPr>
+                    </a:p>
+                  </a:txBody>
+                  <a:tcPr marL="59009" marR="23701" marT="45392" marB="45392"/>
+                </a:tc>
+                <a:tc>
+                  <a:txBody>
+                    <a:bodyPr/>
+                    <a:lstStyle/>
+                    <a:p>
+                      <a:pPr marL="0" marR="0"/>
+                      <a:r>
+                        <a:rPr lang="en-US" sz="1000" cap="none" spc="0" dirty="0">
+                          <a:solidFill>
+                            <a:schemeClr val="tx1"/>
+                          </a:solidFill>
+                          <a:effectLst/>
+                          <a:latin typeface="Calibri" panose="020F0502020204030204" pitchFamily="34" charset="0"/>
+                          <a:ea typeface="Times New Roman" panose="02020603050405020304" pitchFamily="18" charset="0"/>
+                          <a:cs typeface="Times New Roman" panose="02020603050405020304" pitchFamily="18" charset="0"/>
+                        </a:rPr>
+                        <a:t>*</a:t>
+                      </a:r>
+                    </a:p>
+                  </a:txBody>
+                  <a:tcPr marL="59009" marR="23701" marT="45392" marB="45392"/>
+                </a:tc>
+                <a:tc>
+                  <a:txBody>
+                    <a:bodyPr/>
+                    <a:lstStyle/>
+                    <a:p>
+                      <a:pPr marL="0" marR="0"/>
+                      <a:r>
+                        <a:rPr lang="en-US" sz="1000" cap="none" spc="0" dirty="0" err="1">
+                          <a:solidFill>
+                            <a:schemeClr val="tx1"/>
+                          </a:solidFill>
+                          <a:effectLst/>
+                          <a:latin typeface="Calibri" panose="020F0502020204030204" pitchFamily="34" charset="0"/>
+                          <a:ea typeface="Times New Roman" panose="02020603050405020304" pitchFamily="18" charset="0"/>
+                          <a:cs typeface="Times New Roman" panose="02020603050405020304" pitchFamily="18" charset="0"/>
+                        </a:rPr>
+                        <a:t>Wt</a:t>
+                      </a:r>
+                      <a:r>
+                        <a:rPr lang="en-US" sz="1000" cap="none" spc="0" dirty="0">
+                          <a:solidFill>
+                            <a:schemeClr val="tx1"/>
+                          </a:solidFill>
+                          <a:effectLst/>
+                          <a:latin typeface="Calibri" panose="020F0502020204030204" pitchFamily="34" charset="0"/>
+                          <a:ea typeface="Times New Roman" panose="02020603050405020304" pitchFamily="18" charset="0"/>
+                          <a:cs typeface="Times New Roman" panose="02020603050405020304" pitchFamily="18" charset="0"/>
+                        </a:rPr>
+                        <a:t> Loss Intentions  </a:t>
+                      </a:r>
+                      <a:r>
+                        <a:rPr lang="en-US" sz="1000" b="1" cap="none" spc="0" dirty="0">
+                          <a:solidFill>
+                            <a:schemeClr val="tx1"/>
+                          </a:solidFill>
+                          <a:effectLst/>
+                          <a:latin typeface="Calibri" panose="020F0502020204030204" pitchFamily="34" charset="0"/>
+                          <a:ea typeface="Times New Roman" panose="02020603050405020304" pitchFamily="18" charset="0"/>
+                          <a:cs typeface="Times New Roman" panose="02020603050405020304" pitchFamily="18" charset="0"/>
+                        </a:rPr>
+                        <a:t>OR</a:t>
+                      </a:r>
+                      <a:r>
+                        <a:rPr lang="en-US" sz="1000" cap="none" spc="0" dirty="0">
+                          <a:solidFill>
+                            <a:schemeClr val="tx1"/>
+                          </a:solidFill>
+                          <a:effectLst/>
+                          <a:latin typeface="Calibri" panose="020F0502020204030204" pitchFamily="34" charset="0"/>
+                          <a:ea typeface="Times New Roman" panose="02020603050405020304" pitchFamily="18" charset="0"/>
+                          <a:cs typeface="Times New Roman" panose="02020603050405020304" pitchFamily="18" charset="0"/>
+                        </a:rPr>
+                        <a:t> </a:t>
+                      </a:r>
+                      <a:r>
+                        <a:rPr lang="en-US" sz="1000" b="0" cap="none" spc="0" dirty="0" err="1">
+                          <a:solidFill>
+                            <a:schemeClr val="tx1"/>
+                          </a:solidFill>
+                          <a:effectLst/>
+                        </a:rPr>
+                        <a:t>Wt</a:t>
+                      </a:r>
+                      <a:r>
+                        <a:rPr lang="en-US" sz="1000" b="0" cap="none" spc="0" dirty="0">
+                          <a:solidFill>
+                            <a:schemeClr val="tx1"/>
+                          </a:solidFill>
+                          <a:effectLst/>
+                        </a:rPr>
+                        <a:t> Valuation</a:t>
+                      </a:r>
+                      <a:endParaRPr lang="en-US" sz="1000" cap="none" spc="0" dirty="0">
+                        <a:solidFill>
+                          <a:schemeClr val="tx1"/>
+                        </a:solidFill>
+                        <a:effectLst/>
+                        <a:latin typeface="Calibri" panose="020F0502020204030204" pitchFamily="34" charset="0"/>
+                        <a:ea typeface="Times New Roman" panose="02020603050405020304" pitchFamily="18" charset="0"/>
+                        <a:cs typeface="Times New Roman" panose="02020603050405020304" pitchFamily="18" charset="0"/>
+                      </a:endParaRPr>
+                    </a:p>
+                  </a:txBody>
+                  <a:tcPr marL="59009" marR="23701" marT="45392" marB="45392"/>
+                </a:tc>
+                <a:tc>
+                  <a:txBody>
+                    <a:bodyPr/>
+                    <a:lstStyle/>
+                    <a:p>
+                      <a:pPr marL="0" marR="0"/>
+                      <a:r>
+                        <a:rPr lang="en-US" sz="1000" cap="none" spc="0" dirty="0">
+                          <a:solidFill>
+                            <a:schemeClr val="tx1"/>
+                          </a:solidFill>
+                          <a:effectLst/>
+                          <a:latin typeface="Calibri" panose="020F0502020204030204" pitchFamily="34" charset="0"/>
+                          <a:ea typeface="Times New Roman" panose="02020603050405020304" pitchFamily="18" charset="0"/>
+                          <a:cs typeface="Times New Roman" panose="02020603050405020304" pitchFamily="18" charset="0"/>
+                        </a:rPr>
+                        <a:t>Fear of Weight Gain </a:t>
+                      </a:r>
+                      <a:r>
+                        <a:rPr lang="en-US" sz="1000" b="1" cap="none" spc="0" dirty="0">
+                          <a:solidFill>
+                            <a:schemeClr val="tx1"/>
+                          </a:solidFill>
+                          <a:effectLst/>
+                          <a:latin typeface="Calibri" panose="020F0502020204030204" pitchFamily="34" charset="0"/>
+                          <a:ea typeface="Times New Roman" panose="02020603050405020304" pitchFamily="18" charset="0"/>
+                          <a:cs typeface="Times New Roman" panose="02020603050405020304" pitchFamily="18" charset="0"/>
+                        </a:rPr>
+                        <a:t>OR</a:t>
+                      </a:r>
+                      <a:r>
+                        <a:rPr lang="en-US" sz="1000" cap="none" spc="0" dirty="0">
+                          <a:solidFill>
+                            <a:schemeClr val="tx1"/>
+                          </a:solidFill>
+                          <a:effectLst/>
+                          <a:latin typeface="Calibri" panose="020F0502020204030204" pitchFamily="34" charset="0"/>
+                          <a:ea typeface="Times New Roman" panose="02020603050405020304" pitchFamily="18" charset="0"/>
+                          <a:cs typeface="Times New Roman" panose="02020603050405020304" pitchFamily="18" charset="0"/>
+                        </a:rPr>
+                        <a:t> b</a:t>
+                      </a:r>
+                      <a:r>
+                        <a:rPr lang="en-US" sz="1000" cap="none" spc="0" dirty="0">
+                          <a:solidFill>
+                            <a:schemeClr val="tx1"/>
+                          </a:solidFill>
+                          <a:effectLst/>
+                        </a:rPr>
+                        <a:t>ody dissatisfaction </a:t>
+                      </a:r>
+                      <a:r>
+                        <a:rPr lang="en-US" sz="1000" b="1" cap="none" spc="0" dirty="0">
+                          <a:solidFill>
+                            <a:schemeClr val="tx1"/>
+                          </a:solidFill>
+                          <a:effectLst/>
+                        </a:rPr>
+                        <a:t>OR</a:t>
+                      </a:r>
+                      <a:r>
+                        <a:rPr lang="en-US" sz="1000" cap="none" spc="0" dirty="0">
+                          <a:solidFill>
+                            <a:schemeClr val="tx1"/>
+                          </a:solidFill>
+                          <a:effectLst/>
+                        </a:rPr>
+                        <a:t> Feeling Fat </a:t>
+                      </a:r>
+                      <a:endParaRPr lang="en-US" sz="1000" cap="none" spc="0" dirty="0">
+                        <a:solidFill>
+                          <a:schemeClr val="tx1"/>
+                        </a:solidFill>
+                        <a:effectLst/>
+                        <a:latin typeface="Calibri" panose="020F0502020204030204" pitchFamily="34" charset="0"/>
+                        <a:ea typeface="Times New Roman" panose="02020603050405020304" pitchFamily="18" charset="0"/>
+                        <a:cs typeface="Times New Roman" panose="02020603050405020304" pitchFamily="18" charset="0"/>
+                      </a:endParaRPr>
+                    </a:p>
+                  </a:txBody>
+                  <a:tcPr marL="59009" marR="23701" marT="45392" marB="45392"/>
+                </a:tc>
+                <a:extLst>
+                  <a:ext uri="{0D108BD9-81ED-4DB2-BD59-A6C34878D82A}">
+                    <a16:rowId xmlns:a16="http://schemas.microsoft.com/office/drawing/2014/main" val="2860028498"/>
+                  </a:ext>
+                </a:extLst>
+              </a:tr>
+              <a:tr h="541407">
+                <a:tc>
+                  <a:txBody>
+                    <a:bodyPr/>
+                    <a:lstStyle/>
+                    <a:p>
+                      <a:pPr marL="0" marR="0">
+                        <a:spcBef>
+                          <a:spcPts val="0"/>
+                        </a:spcBef>
+                        <a:spcAft>
+                          <a:spcPts val="0"/>
+                        </a:spcAft>
+                      </a:pPr>
+                      <a:r>
+                        <a:rPr lang="en-US" sz="1200" cap="none" spc="0" dirty="0">
+                          <a:solidFill>
+                            <a:schemeClr val="bg1"/>
+                          </a:solidFill>
+                          <a:effectLst/>
+                        </a:rPr>
+                        <a:t>Unhealthy </a:t>
+                      </a:r>
+                      <a:r>
+                        <a:rPr lang="en-US" sz="1200" cap="none" spc="0" dirty="0" err="1">
+                          <a:solidFill>
+                            <a:schemeClr val="bg1"/>
+                          </a:solidFill>
+                          <a:effectLst/>
+                        </a:rPr>
+                        <a:t>wt</a:t>
+                      </a:r>
+                      <a:r>
+                        <a:rPr lang="en-US" sz="1200" cap="none" spc="0" dirty="0">
+                          <a:solidFill>
+                            <a:schemeClr val="bg1"/>
+                          </a:solidFill>
+                          <a:effectLst/>
+                        </a:rPr>
+                        <a:t> control behaviors</a:t>
                       </a:r>
                       <a:endParaRPr lang="en-US" sz="1200" cap="none" spc="0" dirty="0">
                         <a:solidFill>
@@ -6020,1129 +7370,7 @@
                           </a:solidFill>
                           <a:effectLst/>
                         </a:rPr>
-                        <a:t>Weekly Purging  with &lt; Weekly BE, or Monthly Purging with Monthly BE</a:t>
-                      </a:r>
-                      <a:endParaRPr lang="en-US" sz="1000" cap="none" spc="0" dirty="0">
-                        <a:solidFill>
-                          <a:schemeClr val="bg1"/>
-                        </a:solidFill>
-                        <a:effectLst/>
-                        <a:latin typeface="Calibri" panose="020F0502020204030204" pitchFamily="34" charset="0"/>
-                        <a:ea typeface="Calibri" panose="020F0502020204030204" pitchFamily="34" charset="0"/>
-                        <a:cs typeface="Times New Roman" panose="02020603050405020304" pitchFamily="18" charset="0"/>
-                      </a:endParaRPr>
-                    </a:p>
-                  </a:txBody>
-                  <a:tcPr marL="59009" marR="23701" marT="45392" marB="45392"/>
-                </a:tc>
-                <a:tc>
-                  <a:txBody>
-                    <a:bodyPr/>
-                    <a:lstStyle/>
-                    <a:p>
-                      <a:pPr marL="0" marR="0" lvl="0" indent="0" algn="l" defTabSz="914400" rtl="0" eaLnBrk="1" fontAlgn="auto" latinLnBrk="0" hangingPunct="1">
-                        <a:lnSpc>
-                          <a:spcPct val="100000"/>
-                        </a:lnSpc>
-                        <a:spcBef>
-                          <a:spcPts val="0"/>
-                        </a:spcBef>
-                        <a:spcAft>
-                          <a:spcPts val="0"/>
-                        </a:spcAft>
-                        <a:buClrTx/>
-                        <a:buSzTx/>
-                        <a:buFontTx/>
-                        <a:buNone/>
-                        <a:tabLst/>
-                        <a:defRPr/>
-                      </a:pPr>
-                      <a:r>
-                        <a:rPr lang="en-US" sz="1000" cap="none" spc="0" dirty="0">
-                          <a:solidFill>
-                            <a:schemeClr val="tx1"/>
-                          </a:solidFill>
-                          <a:effectLst/>
-                        </a:rPr>
-                        <a:t>Weekly Purging  with &lt; Weekly BE, or Monthly Purging with Monthly BE</a:t>
-                      </a:r>
-                      <a:endParaRPr lang="en-US" sz="1000" cap="none" spc="0" dirty="0">
-                        <a:solidFill>
-                          <a:schemeClr val="bg1"/>
-                        </a:solidFill>
-                        <a:effectLst/>
-                        <a:latin typeface="Calibri" panose="020F0502020204030204" pitchFamily="34" charset="0"/>
-                        <a:ea typeface="Calibri" panose="020F0502020204030204" pitchFamily="34" charset="0"/>
-                        <a:cs typeface="Times New Roman" panose="02020603050405020304" pitchFamily="18" charset="0"/>
-                      </a:endParaRPr>
-                    </a:p>
-                  </a:txBody>
-                  <a:tcPr marL="59009" marR="23701" marT="45392" marB="45392"/>
-                </a:tc>
-                <a:tc>
-                  <a:txBody>
-                    <a:bodyPr/>
-                    <a:lstStyle/>
-                    <a:p>
-                      <a:pPr marL="0" marR="0" lvl="0" indent="0" algn="l" defTabSz="914400" rtl="0" eaLnBrk="1" fontAlgn="auto" latinLnBrk="0" hangingPunct="1">
-                        <a:lnSpc>
-                          <a:spcPct val="100000"/>
-                        </a:lnSpc>
-                        <a:spcBef>
-                          <a:spcPts val="0"/>
-                        </a:spcBef>
-                        <a:spcAft>
-                          <a:spcPts val="0"/>
-                        </a:spcAft>
-                        <a:buClrTx/>
-                        <a:buSzTx/>
-                        <a:buFontTx/>
-                        <a:buNone/>
-                        <a:tabLst/>
-                        <a:defRPr/>
-                      </a:pPr>
-                      <a:r>
-                        <a:rPr lang="en-US" sz="1000" cap="none" spc="0" dirty="0">
-                          <a:solidFill>
-                            <a:schemeClr val="tx1"/>
-                          </a:solidFill>
-                          <a:effectLst/>
-                        </a:rPr>
-                        <a:t>Weekly Purging  with &lt; Weekly BE, or Monthly Purging with Monthly BE</a:t>
-                      </a:r>
-                      <a:endParaRPr lang="en-US" sz="1000" cap="none" spc="0" dirty="0">
-                        <a:solidFill>
-                          <a:schemeClr val="bg1"/>
-                        </a:solidFill>
-                        <a:effectLst/>
-                        <a:latin typeface="Calibri" panose="020F0502020204030204" pitchFamily="34" charset="0"/>
-                        <a:ea typeface="Calibri" panose="020F0502020204030204" pitchFamily="34" charset="0"/>
-                        <a:cs typeface="Times New Roman" panose="02020603050405020304" pitchFamily="18" charset="0"/>
-                      </a:endParaRPr>
-                    </a:p>
-                  </a:txBody>
-                  <a:tcPr marL="59009" marR="23701" marT="45392" marB="45392"/>
-                </a:tc>
-                <a:tc>
-                  <a:txBody>
-                    <a:bodyPr/>
-                    <a:lstStyle/>
-                    <a:p>
-                      <a:pPr marL="0" marR="0" lvl="0" indent="0" algn="l" defTabSz="914400" rtl="0" eaLnBrk="1" fontAlgn="auto" latinLnBrk="0" hangingPunct="1">
-                        <a:lnSpc>
-                          <a:spcPct val="100000"/>
-                        </a:lnSpc>
-                        <a:spcBef>
-                          <a:spcPts val="0"/>
-                        </a:spcBef>
-                        <a:spcAft>
-                          <a:spcPts val="0"/>
-                        </a:spcAft>
-                        <a:buClrTx/>
-                        <a:buSzTx/>
-                        <a:buFontTx/>
-                        <a:buNone/>
-                        <a:tabLst/>
-                        <a:defRPr/>
-                      </a:pPr>
-                      <a:r>
-                        <a:rPr lang="en-US" sz="1000" cap="none" spc="0" dirty="0">
-                          <a:solidFill>
-                            <a:schemeClr val="tx1"/>
-                          </a:solidFill>
-                          <a:effectLst/>
-                        </a:rPr>
-                        <a:t>Weekly Purging  with &lt; Weekly BE, or Monthly Purging with Monthly BE</a:t>
-                      </a:r>
-                      <a:endParaRPr lang="en-US" sz="1000" cap="none" spc="0" dirty="0">
-                        <a:solidFill>
-                          <a:schemeClr val="bg1"/>
-                        </a:solidFill>
-                        <a:effectLst/>
-                        <a:latin typeface="Calibri" panose="020F0502020204030204" pitchFamily="34" charset="0"/>
-                        <a:ea typeface="Calibri" panose="020F0502020204030204" pitchFamily="34" charset="0"/>
-                        <a:cs typeface="Times New Roman" panose="02020603050405020304" pitchFamily="18" charset="0"/>
-                      </a:endParaRPr>
-                    </a:p>
-                  </a:txBody>
-                  <a:tcPr marL="59009" marR="23701" marT="45392" marB="45392"/>
-                </a:tc>
-                <a:extLst>
-                  <a:ext uri="{0D108BD9-81ED-4DB2-BD59-A6C34878D82A}">
-                    <a16:rowId xmlns:a16="http://schemas.microsoft.com/office/drawing/2014/main" val="3944145144"/>
-                  </a:ext>
-                </a:extLst>
-              </a:tr>
-              <a:tr h="283190">
-                <a:tc gridSpan="5">
-                  <a:txBody>
-                    <a:bodyPr/>
-                    <a:lstStyle/>
-                    <a:p>
-                      <a:pPr marL="0" marR="0" algn="ctr">
-                        <a:spcBef>
-                          <a:spcPts val="0"/>
-                        </a:spcBef>
-                        <a:spcAft>
-                          <a:spcPts val="0"/>
-                        </a:spcAft>
-                      </a:pPr>
-                      <a:r>
-                        <a:rPr lang="en-US" sz="1400" cap="none" spc="0" dirty="0">
-                          <a:solidFill>
-                            <a:schemeClr val="bg1"/>
-                          </a:solidFill>
-                          <a:effectLst/>
-                        </a:rPr>
-                        <a:t>BED Spectrum</a:t>
-                      </a:r>
-                      <a:endParaRPr lang="en-US" sz="1400" cap="none" spc="0" dirty="0">
-                        <a:solidFill>
-                          <a:schemeClr val="bg1"/>
-                        </a:solidFill>
-                        <a:effectLst/>
-                        <a:latin typeface="Calibri" panose="020F0502020204030204" pitchFamily="34" charset="0"/>
-                        <a:ea typeface="Calibri" panose="020F0502020204030204" pitchFamily="34" charset="0"/>
-                        <a:cs typeface="Times New Roman" panose="02020603050405020304" pitchFamily="18" charset="0"/>
-                      </a:endParaRPr>
-                    </a:p>
-                  </a:txBody>
-                  <a:tcPr marL="59009" marR="23701" marT="45392" marB="45392"/>
-                </a:tc>
-                <a:tc hMerge="1">
-                  <a:txBody>
-                    <a:bodyPr/>
-                    <a:lstStyle/>
-                    <a:p>
-                      <a:endParaRPr lang="en-US"/>
-                    </a:p>
-                  </a:txBody>
-                  <a:tcPr/>
-                </a:tc>
-                <a:tc hMerge="1">
-                  <a:txBody>
-                    <a:bodyPr/>
-                    <a:lstStyle/>
-                    <a:p>
-                      <a:endParaRPr lang="en-US"/>
-                    </a:p>
-                  </a:txBody>
-                  <a:tcPr/>
-                </a:tc>
-                <a:tc hMerge="1">
-                  <a:txBody>
-                    <a:bodyPr/>
-                    <a:lstStyle/>
-                    <a:p>
-                      <a:endParaRPr lang="en-US"/>
-                    </a:p>
-                  </a:txBody>
-                  <a:tcPr/>
-                </a:tc>
-                <a:tc hMerge="1">
-                  <a:txBody>
-                    <a:bodyPr/>
-                    <a:lstStyle/>
-                    <a:p>
-                      <a:endParaRPr lang="en-US"/>
-                    </a:p>
-                  </a:txBody>
-                  <a:tcPr/>
-                </a:tc>
-                <a:extLst>
-                  <a:ext uri="{0D108BD9-81ED-4DB2-BD59-A6C34878D82A}">
-                    <a16:rowId xmlns:a16="http://schemas.microsoft.com/office/drawing/2014/main" val="1942777290"/>
-                  </a:ext>
-                </a:extLst>
-              </a:tr>
-              <a:tr h="0">
-                <a:tc>
-                  <a:txBody>
-                    <a:bodyPr/>
-                    <a:lstStyle/>
-                    <a:p>
-                      <a:pPr marL="0" marR="0">
-                        <a:spcBef>
-                          <a:spcPts val="0"/>
-                        </a:spcBef>
-                        <a:spcAft>
-                          <a:spcPts val="0"/>
-                        </a:spcAft>
-                      </a:pPr>
-                      <a:r>
-                        <a:rPr lang="en-US" sz="1000" cap="none" spc="0" dirty="0">
-                          <a:solidFill>
-                            <a:schemeClr val="bg1"/>
-                          </a:solidFill>
-                          <a:effectLst/>
-                        </a:rPr>
-                        <a:t> </a:t>
-                      </a:r>
-                      <a:r>
-                        <a:rPr lang="en-US" sz="1200" cap="none" spc="0" dirty="0">
-                          <a:solidFill>
-                            <a:schemeClr val="bg1"/>
-                          </a:solidFill>
-                          <a:effectLst/>
-                        </a:rPr>
-                        <a:t>Low-level BE symptoms</a:t>
-                      </a:r>
-                      <a:endParaRPr lang="en-US" sz="1200" cap="none" spc="0" dirty="0">
-                        <a:solidFill>
-                          <a:schemeClr val="bg1"/>
-                        </a:solidFill>
-                        <a:effectLst/>
-                        <a:latin typeface="Calibri" panose="020F0502020204030204" pitchFamily="34" charset="0"/>
-                        <a:ea typeface="Calibri" panose="020F0502020204030204" pitchFamily="34" charset="0"/>
-                        <a:cs typeface="Times New Roman" panose="02020603050405020304" pitchFamily="18" charset="0"/>
-                      </a:endParaRPr>
-                    </a:p>
-                  </a:txBody>
-                  <a:tcPr marL="59009" marR="23701" marT="45392" marB="45392"/>
-                </a:tc>
-                <a:tc>
-                  <a:txBody>
-                    <a:bodyPr/>
-                    <a:lstStyle/>
-                    <a:p>
-                      <a:pPr marL="0" marR="0">
-                        <a:spcBef>
-                          <a:spcPts val="0"/>
-                        </a:spcBef>
-                        <a:spcAft>
-                          <a:spcPts val="0"/>
-                        </a:spcAft>
-                      </a:pPr>
-                      <a:r>
-                        <a:rPr lang="en-US" sz="1000" cap="none" spc="0" dirty="0">
-                          <a:solidFill>
-                            <a:schemeClr val="tx1"/>
-                          </a:solidFill>
-                          <a:effectLst/>
-                        </a:rPr>
-                        <a:t>Monthly BE without Purging </a:t>
-                      </a:r>
-                      <a:endParaRPr lang="en-US" sz="1000" cap="none" spc="0" dirty="0">
-                        <a:solidFill>
-                          <a:schemeClr val="bg1"/>
-                        </a:solidFill>
-                        <a:effectLst/>
-                        <a:latin typeface="Calibri" panose="020F0502020204030204" pitchFamily="34" charset="0"/>
-                        <a:ea typeface="Calibri" panose="020F0502020204030204" pitchFamily="34" charset="0"/>
-                        <a:cs typeface="Times New Roman" panose="02020603050405020304" pitchFamily="18" charset="0"/>
-                      </a:endParaRPr>
-                    </a:p>
-                  </a:txBody>
-                  <a:tcPr marL="59009" marR="23701" marT="45392" marB="45392"/>
-                </a:tc>
-                <a:tc>
-                  <a:txBody>
-                    <a:bodyPr/>
-                    <a:lstStyle/>
-                    <a:p>
-                      <a:pPr marL="0" marR="0" lvl="0" indent="0" algn="l" defTabSz="914400" rtl="0" eaLnBrk="1" fontAlgn="auto" latinLnBrk="0" hangingPunct="1">
-                        <a:lnSpc>
-                          <a:spcPct val="100000"/>
-                        </a:lnSpc>
-                        <a:spcBef>
-                          <a:spcPts val="0"/>
-                        </a:spcBef>
-                        <a:spcAft>
-                          <a:spcPts val="0"/>
-                        </a:spcAft>
-                        <a:buClrTx/>
-                        <a:buSzTx/>
-                        <a:buFontTx/>
-                        <a:buNone/>
-                        <a:tabLst/>
-                        <a:defRPr/>
-                      </a:pPr>
-                      <a:r>
-                        <a:rPr lang="en-US" sz="1000" cap="none" spc="0" dirty="0">
-                          <a:solidFill>
-                            <a:schemeClr val="tx1"/>
-                          </a:solidFill>
-                          <a:effectLst/>
-                        </a:rPr>
-                        <a:t> Monthly BE without Purging </a:t>
-                      </a:r>
-                      <a:endParaRPr lang="en-US" sz="1000" cap="none" spc="0" dirty="0">
-                        <a:solidFill>
-                          <a:schemeClr val="bg1"/>
-                        </a:solidFill>
-                        <a:effectLst/>
-                        <a:latin typeface="Calibri" panose="020F0502020204030204" pitchFamily="34" charset="0"/>
-                        <a:ea typeface="Calibri" panose="020F0502020204030204" pitchFamily="34" charset="0"/>
-                        <a:cs typeface="Times New Roman" panose="02020603050405020304" pitchFamily="18" charset="0"/>
-                      </a:endParaRPr>
-                    </a:p>
-                  </a:txBody>
-                  <a:tcPr marL="59009" marR="23701" marT="45392" marB="45392"/>
-                </a:tc>
-                <a:tc>
-                  <a:txBody>
-                    <a:bodyPr/>
-                    <a:lstStyle/>
-                    <a:p>
-                      <a:pPr marL="0" marR="0" lvl="0" indent="0" algn="l" defTabSz="914400" rtl="0" eaLnBrk="1" fontAlgn="auto" latinLnBrk="0" hangingPunct="1">
-                        <a:lnSpc>
-                          <a:spcPct val="100000"/>
-                        </a:lnSpc>
-                        <a:spcBef>
-                          <a:spcPts val="0"/>
-                        </a:spcBef>
-                        <a:spcAft>
-                          <a:spcPts val="0"/>
-                        </a:spcAft>
-                        <a:buClrTx/>
-                        <a:buSzTx/>
-                        <a:buFontTx/>
-                        <a:buNone/>
-                        <a:tabLst/>
-                        <a:defRPr/>
-                      </a:pPr>
-                      <a:r>
-                        <a:rPr lang="en-US" sz="1000" cap="none" spc="0" dirty="0">
-                          <a:solidFill>
-                            <a:schemeClr val="tx1"/>
-                          </a:solidFill>
-                          <a:effectLst/>
-                        </a:rPr>
-                        <a:t> Monthly BE without Purging </a:t>
-                      </a:r>
-                      <a:endParaRPr lang="en-US" sz="1000" cap="none" spc="0" dirty="0">
-                        <a:solidFill>
-                          <a:schemeClr val="bg1"/>
-                        </a:solidFill>
-                        <a:effectLst/>
-                        <a:latin typeface="Calibri" panose="020F0502020204030204" pitchFamily="34" charset="0"/>
-                        <a:ea typeface="Calibri" panose="020F0502020204030204" pitchFamily="34" charset="0"/>
-                        <a:cs typeface="Times New Roman" panose="02020603050405020304" pitchFamily="18" charset="0"/>
-                      </a:endParaRPr>
-                    </a:p>
-                  </a:txBody>
-                  <a:tcPr marL="59009" marR="23701" marT="45392" marB="45392"/>
-                </a:tc>
-                <a:tc>
-                  <a:txBody>
-                    <a:bodyPr/>
-                    <a:lstStyle/>
-                    <a:p>
-                      <a:pPr marL="0" marR="0" lvl="0" indent="0" algn="l" defTabSz="914400" rtl="0" eaLnBrk="1" fontAlgn="auto" latinLnBrk="0" hangingPunct="1">
-                        <a:lnSpc>
-                          <a:spcPct val="100000"/>
-                        </a:lnSpc>
-                        <a:spcBef>
-                          <a:spcPts val="0"/>
-                        </a:spcBef>
-                        <a:spcAft>
-                          <a:spcPts val="0"/>
-                        </a:spcAft>
-                        <a:buClrTx/>
-                        <a:buSzTx/>
-                        <a:buFontTx/>
-                        <a:buNone/>
-                        <a:tabLst/>
-                        <a:defRPr/>
-                      </a:pPr>
-                      <a:r>
-                        <a:rPr lang="en-US" sz="1000" cap="none" spc="0" dirty="0">
-                          <a:solidFill>
-                            <a:schemeClr val="tx1"/>
-                          </a:solidFill>
-                          <a:effectLst/>
-                        </a:rPr>
-                        <a:t> Monthly BE without Purging </a:t>
-                      </a:r>
-                      <a:endParaRPr lang="en-US" sz="1000" cap="none" spc="0" dirty="0">
-                        <a:solidFill>
-                          <a:schemeClr val="bg1"/>
-                        </a:solidFill>
-                        <a:effectLst/>
-                        <a:latin typeface="Calibri" panose="020F0502020204030204" pitchFamily="34" charset="0"/>
-                        <a:ea typeface="Calibri" panose="020F0502020204030204" pitchFamily="34" charset="0"/>
-                        <a:cs typeface="Times New Roman" panose="02020603050405020304" pitchFamily="18" charset="0"/>
-                      </a:endParaRPr>
-                    </a:p>
-                  </a:txBody>
-                  <a:tcPr marL="59009" marR="23701" marT="45392" marB="45392"/>
-                </a:tc>
-                <a:extLst>
-                  <a:ext uri="{0D108BD9-81ED-4DB2-BD59-A6C34878D82A}">
-                    <a16:rowId xmlns:a16="http://schemas.microsoft.com/office/drawing/2014/main" val="3691778145"/>
-                  </a:ext>
-                </a:extLst>
-              </a:tr>
-              <a:tr h="162214">
-                <a:tc>
-                  <a:txBody>
-                    <a:bodyPr/>
-                    <a:lstStyle/>
-                    <a:p>
-                      <a:pPr marL="0" marR="0">
-                        <a:spcBef>
-                          <a:spcPts val="0"/>
-                        </a:spcBef>
-                        <a:spcAft>
-                          <a:spcPts val="0"/>
-                        </a:spcAft>
-                      </a:pPr>
-                      <a:r>
-                        <a:rPr lang="en-US" sz="1000" cap="none" spc="0" dirty="0">
-                          <a:solidFill>
-                            <a:schemeClr val="bg1"/>
-                          </a:solidFill>
-                          <a:effectLst/>
-                        </a:rPr>
-                        <a:t> </a:t>
-                      </a:r>
-                      <a:endParaRPr lang="en-US" sz="1000" cap="none" spc="0" dirty="0">
-                        <a:solidFill>
-                          <a:schemeClr val="bg1"/>
-                        </a:solidFill>
-                        <a:effectLst/>
-                        <a:latin typeface="Calibri" panose="020F0502020204030204" pitchFamily="34" charset="0"/>
-                        <a:ea typeface="Calibri" panose="020F0502020204030204" pitchFamily="34" charset="0"/>
-                        <a:cs typeface="Times New Roman" panose="02020603050405020304" pitchFamily="18" charset="0"/>
-                      </a:endParaRPr>
-                    </a:p>
-                  </a:txBody>
-                  <a:tcPr marL="59009" marR="23701" marT="45392" marB="45392"/>
-                </a:tc>
-                <a:tc>
-                  <a:txBody>
-                    <a:bodyPr/>
-                    <a:lstStyle/>
-                    <a:p>
-                      <a:pPr marL="0" marR="0">
-                        <a:spcBef>
-                          <a:spcPts val="0"/>
-                        </a:spcBef>
-                        <a:spcAft>
-                          <a:spcPts val="0"/>
-                        </a:spcAft>
-                      </a:pPr>
-                      <a:r>
-                        <a:rPr lang="en-US" sz="1000" cap="none" spc="0" dirty="0">
-                          <a:solidFill>
-                            <a:schemeClr val="tx1"/>
-                          </a:solidFill>
-                          <a:effectLst/>
-                        </a:rPr>
-                        <a:t>3 out of 5 psychological binge eating symptoms reported</a:t>
-                      </a:r>
-                      <a:endParaRPr lang="en-US" sz="1000" cap="none" spc="0" dirty="0">
-                        <a:solidFill>
-                          <a:schemeClr val="bg1"/>
-                        </a:solidFill>
-                        <a:effectLst/>
-                        <a:latin typeface="Calibri" panose="020F0502020204030204" pitchFamily="34" charset="0"/>
-                        <a:ea typeface="Calibri" panose="020F0502020204030204" pitchFamily="34" charset="0"/>
-                        <a:cs typeface="Times New Roman" panose="02020603050405020304" pitchFamily="18" charset="0"/>
-                      </a:endParaRPr>
-                    </a:p>
-                  </a:txBody>
-                  <a:tcPr marL="59009" marR="23701" marT="45392" marB="45392"/>
-                </a:tc>
-                <a:tc>
-                  <a:txBody>
-                    <a:bodyPr/>
-                    <a:lstStyle/>
-                    <a:p>
-                      <a:pPr marL="0" marR="0" lvl="0" indent="0" algn="l" defTabSz="914400" rtl="0" eaLnBrk="1" fontAlgn="auto" latinLnBrk="0" hangingPunct="1">
-                        <a:lnSpc>
-                          <a:spcPct val="100000"/>
-                        </a:lnSpc>
-                        <a:spcBef>
-                          <a:spcPts val="0"/>
-                        </a:spcBef>
-                        <a:spcAft>
-                          <a:spcPts val="0"/>
-                        </a:spcAft>
-                        <a:buClrTx/>
-                        <a:buSzTx/>
-                        <a:buFontTx/>
-                        <a:buNone/>
-                        <a:tabLst/>
-                        <a:defRPr/>
-                      </a:pPr>
-                      <a:r>
-                        <a:rPr lang="en-US" sz="1000" cap="none" spc="0" dirty="0">
-                          <a:solidFill>
-                            <a:schemeClr val="tx1"/>
-                          </a:solidFill>
-                          <a:effectLst/>
-                        </a:rPr>
-                        <a:t> 3 out of 5 psychological binge eating symptoms reported</a:t>
-                      </a:r>
-                      <a:endParaRPr lang="en-US" sz="1000" cap="none" spc="0" dirty="0">
-                        <a:solidFill>
-                          <a:schemeClr val="bg1"/>
-                        </a:solidFill>
-                        <a:effectLst/>
-                        <a:latin typeface="Calibri" panose="020F0502020204030204" pitchFamily="34" charset="0"/>
-                        <a:ea typeface="Calibri" panose="020F0502020204030204" pitchFamily="34" charset="0"/>
-                        <a:cs typeface="Times New Roman" panose="02020603050405020304" pitchFamily="18" charset="0"/>
-                      </a:endParaRPr>
-                    </a:p>
-                  </a:txBody>
-                  <a:tcPr marL="59009" marR="23701" marT="45392" marB="45392"/>
-                </a:tc>
-                <a:tc>
-                  <a:txBody>
-                    <a:bodyPr/>
-                    <a:lstStyle/>
-                    <a:p>
-                      <a:pPr marL="0" marR="0" lvl="0" indent="0" algn="l" defTabSz="914400" rtl="0" eaLnBrk="1" fontAlgn="auto" latinLnBrk="0" hangingPunct="1">
-                        <a:lnSpc>
-                          <a:spcPct val="100000"/>
-                        </a:lnSpc>
-                        <a:spcBef>
-                          <a:spcPts val="0"/>
-                        </a:spcBef>
-                        <a:spcAft>
-                          <a:spcPts val="0"/>
-                        </a:spcAft>
-                        <a:buClrTx/>
-                        <a:buSzTx/>
-                        <a:buFontTx/>
-                        <a:buNone/>
-                        <a:tabLst/>
-                        <a:defRPr/>
-                      </a:pPr>
-                      <a:r>
-                        <a:rPr lang="en-US" sz="1000" cap="none" spc="0" dirty="0">
-                          <a:solidFill>
-                            <a:schemeClr val="tx1"/>
-                          </a:solidFill>
-                          <a:effectLst/>
-                        </a:rPr>
-                        <a:t> 3 out of 5 psychological binge eating symptoms reported</a:t>
-                      </a:r>
-                      <a:endParaRPr lang="en-US" sz="1000" cap="none" spc="0" dirty="0">
-                        <a:solidFill>
-                          <a:schemeClr val="bg1"/>
-                        </a:solidFill>
-                        <a:effectLst/>
-                        <a:latin typeface="Calibri" panose="020F0502020204030204" pitchFamily="34" charset="0"/>
-                        <a:ea typeface="Calibri" panose="020F0502020204030204" pitchFamily="34" charset="0"/>
-                        <a:cs typeface="Times New Roman" panose="02020603050405020304" pitchFamily="18" charset="0"/>
-                      </a:endParaRPr>
-                    </a:p>
-                  </a:txBody>
-                  <a:tcPr marL="59009" marR="23701" marT="45392" marB="45392"/>
-                </a:tc>
-                <a:tc>
-                  <a:txBody>
-                    <a:bodyPr/>
-                    <a:lstStyle/>
-                    <a:p>
-                      <a:r>
-                        <a:rPr lang="en-US" sz="1000" cap="none" spc="0" dirty="0">
-                          <a:solidFill>
-                            <a:schemeClr val="tx1"/>
-                          </a:solidFill>
-                          <a:effectLst/>
-                        </a:rPr>
-                        <a:t> *</a:t>
-                      </a:r>
-                      <a:endParaRPr lang="en-US" dirty="0"/>
-                    </a:p>
-                  </a:txBody>
-                  <a:tcPr marL="59009" marR="23701" marT="45392" marB="45392"/>
-                </a:tc>
-                <a:extLst>
-                  <a:ext uri="{0D108BD9-81ED-4DB2-BD59-A6C34878D82A}">
-                    <a16:rowId xmlns:a16="http://schemas.microsoft.com/office/drawing/2014/main" val="4179176799"/>
-                  </a:ext>
-                </a:extLst>
-              </a:tr>
-              <a:tr h="283190">
-                <a:tc gridSpan="5">
-                  <a:txBody>
-                    <a:bodyPr/>
-                    <a:lstStyle/>
-                    <a:p>
-                      <a:pPr marL="0" marR="0" algn="ctr">
-                        <a:spcBef>
-                          <a:spcPts val="0"/>
-                        </a:spcBef>
-                        <a:spcAft>
-                          <a:spcPts val="0"/>
-                        </a:spcAft>
-                      </a:pPr>
-                      <a:r>
-                        <a:rPr lang="en-US" sz="1400" cap="none" spc="0" dirty="0">
-                          <a:solidFill>
-                            <a:schemeClr val="bg1"/>
-                          </a:solidFill>
-                          <a:effectLst/>
-                          <a:latin typeface="Calibri" panose="020F0502020204030204" pitchFamily="34" charset="0"/>
-                          <a:ea typeface="Calibri" panose="020F0502020204030204" pitchFamily="34" charset="0"/>
-                          <a:cs typeface="Times New Roman" panose="02020603050405020304" pitchFamily="18" charset="0"/>
-                        </a:rPr>
-                        <a:t>Restrictive Spectrum</a:t>
-                      </a:r>
-                    </a:p>
-                  </a:txBody>
-                  <a:tcPr marL="59009" marR="23701" marT="45392" marB="45392"/>
-                </a:tc>
-                <a:tc hMerge="1">
-                  <a:txBody>
-                    <a:bodyPr/>
-                    <a:lstStyle/>
-                    <a:p>
-                      <a:endParaRPr lang="en-US"/>
-                    </a:p>
-                  </a:txBody>
-                  <a:tcPr/>
-                </a:tc>
-                <a:tc hMerge="1">
-                  <a:txBody>
-                    <a:bodyPr/>
-                    <a:lstStyle/>
-                    <a:p>
-                      <a:endParaRPr lang="en-US"/>
-                    </a:p>
-                  </a:txBody>
-                  <a:tcPr/>
-                </a:tc>
-                <a:tc hMerge="1">
-                  <a:txBody>
-                    <a:bodyPr/>
-                    <a:lstStyle/>
-                    <a:p>
-                      <a:endParaRPr lang="en-US"/>
-                    </a:p>
-                  </a:txBody>
-                  <a:tcPr/>
-                </a:tc>
-                <a:tc hMerge="1">
-                  <a:txBody>
-                    <a:bodyPr/>
-                    <a:lstStyle/>
-                    <a:p>
-                      <a:endParaRPr lang="en-US"/>
-                    </a:p>
-                  </a:txBody>
-                  <a:tcPr/>
-                </a:tc>
-                <a:extLst>
-                  <a:ext uri="{0D108BD9-81ED-4DB2-BD59-A6C34878D82A}">
-                    <a16:rowId xmlns:a16="http://schemas.microsoft.com/office/drawing/2014/main" val="2361359139"/>
-                  </a:ext>
-                </a:extLst>
-              </a:tr>
-              <a:tr h="289801">
-                <a:tc>
-                  <a:txBody>
-                    <a:bodyPr/>
-                    <a:lstStyle/>
-                    <a:p>
-                      <a:pPr marL="0" marR="0">
-                        <a:spcBef>
-                          <a:spcPts val="0"/>
-                        </a:spcBef>
-                        <a:spcAft>
-                          <a:spcPts val="0"/>
-                        </a:spcAft>
-                      </a:pPr>
-                      <a:r>
-                        <a:rPr lang="en-US" sz="1200" cap="none" spc="0" dirty="0">
-                          <a:solidFill>
-                            <a:schemeClr val="bg1"/>
-                          </a:solidFill>
-                          <a:effectLst/>
-                          <a:latin typeface="Calibri" panose="020F0502020204030204" pitchFamily="34" charset="0"/>
-                          <a:ea typeface="Calibri" panose="020F0502020204030204" pitchFamily="34" charset="0"/>
-                          <a:cs typeface="Times New Roman" panose="02020603050405020304" pitchFamily="18" charset="0"/>
-                        </a:rPr>
-                        <a:t>Cognitive fear of weight gain or </a:t>
-                      </a:r>
-                      <a:r>
-                        <a:rPr lang="en-US" sz="1200" cap="none" spc="0" dirty="0" err="1">
-                          <a:solidFill>
-                            <a:schemeClr val="bg1"/>
-                          </a:solidFill>
-                          <a:effectLst/>
-                          <a:latin typeface="Calibri" panose="020F0502020204030204" pitchFamily="34" charset="0"/>
-                          <a:ea typeface="Calibri" panose="020F0502020204030204" pitchFamily="34" charset="0"/>
-                          <a:cs typeface="Times New Roman" panose="02020603050405020304" pitchFamily="18" charset="0"/>
-                        </a:rPr>
-                        <a:t>wt</a:t>
-                      </a:r>
-                      <a:r>
-                        <a:rPr lang="en-US" sz="1200" cap="none" spc="0" dirty="0">
-                          <a:solidFill>
-                            <a:schemeClr val="bg1"/>
-                          </a:solidFill>
-                          <a:effectLst/>
-                          <a:latin typeface="Calibri" panose="020F0502020204030204" pitchFamily="34" charset="0"/>
-                          <a:ea typeface="Calibri" panose="020F0502020204030204" pitchFamily="34" charset="0"/>
-                          <a:cs typeface="Times New Roman" panose="02020603050405020304" pitchFamily="18" charset="0"/>
-                        </a:rPr>
-                        <a:t>/shape concern</a:t>
-                      </a:r>
-                    </a:p>
-                  </a:txBody>
-                  <a:tcPr marL="59009" marR="23701" marT="45392" marB="45392"/>
-                </a:tc>
-                <a:tc>
-                  <a:txBody>
-                    <a:bodyPr/>
-                    <a:lstStyle/>
-                    <a:p>
-                      <a:pPr marL="0" marR="0">
-                        <a:spcBef>
-                          <a:spcPts val="0"/>
-                        </a:spcBef>
-                        <a:spcAft>
-                          <a:spcPts val="0"/>
-                        </a:spcAft>
-                      </a:pPr>
-                      <a:r>
-                        <a:rPr lang="en-US" sz="1000" cap="none" spc="0" dirty="0">
-                          <a:solidFill>
-                            <a:schemeClr val="tx1"/>
-                          </a:solidFill>
-                          <a:effectLst/>
-                        </a:rPr>
-                        <a:t>Fear of </a:t>
-                      </a:r>
-                      <a:r>
-                        <a:rPr lang="en-US" sz="1000" cap="none" spc="0" dirty="0" err="1">
-                          <a:solidFill>
-                            <a:schemeClr val="tx1"/>
-                          </a:solidFill>
-                          <a:effectLst/>
-                        </a:rPr>
-                        <a:t>wt</a:t>
-                      </a:r>
-                      <a:r>
-                        <a:rPr lang="en-US" sz="1000" cap="none" spc="0" dirty="0">
-                          <a:solidFill>
-                            <a:schemeClr val="tx1"/>
-                          </a:solidFill>
-                          <a:effectLst/>
-                        </a:rPr>
-                        <a:t> gain </a:t>
-                      </a:r>
-                      <a:r>
-                        <a:rPr lang="en-US" sz="1000" b="1" cap="none" spc="0" dirty="0">
-                          <a:solidFill>
-                            <a:schemeClr val="tx1"/>
-                          </a:solidFill>
-                          <a:effectLst/>
-                        </a:rPr>
-                        <a:t>OR</a:t>
-                      </a:r>
-                      <a:r>
-                        <a:rPr lang="en-US" sz="1000" cap="none" spc="0" dirty="0">
-                          <a:solidFill>
-                            <a:schemeClr val="tx1"/>
-                          </a:solidFill>
-                          <a:effectLst/>
-                        </a:rPr>
-                        <a:t> </a:t>
-                      </a:r>
-                      <a:r>
-                        <a:rPr lang="en-US" sz="1000" cap="none" spc="0" dirty="0" err="1">
-                          <a:solidFill>
-                            <a:schemeClr val="tx1"/>
-                          </a:solidFill>
-                          <a:effectLst/>
-                        </a:rPr>
-                        <a:t>Wt</a:t>
-                      </a:r>
-                      <a:r>
-                        <a:rPr lang="en-US" sz="1000" cap="none" spc="0" dirty="0">
-                          <a:solidFill>
-                            <a:schemeClr val="tx1"/>
-                          </a:solidFill>
-                          <a:effectLst/>
-                        </a:rPr>
-                        <a:t>/Shape concern (child-report) </a:t>
-                      </a:r>
-                      <a:endParaRPr lang="en-US" sz="1000" cap="none" spc="0" dirty="0">
-                        <a:solidFill>
-                          <a:schemeClr val="bg1"/>
-                        </a:solidFill>
-                        <a:effectLst/>
-                        <a:latin typeface="Calibri" panose="020F0502020204030204" pitchFamily="34" charset="0"/>
-                        <a:ea typeface="Calibri" panose="020F0502020204030204" pitchFamily="34" charset="0"/>
-                        <a:cs typeface="Times New Roman" panose="02020603050405020304" pitchFamily="18" charset="0"/>
-                      </a:endParaRPr>
-                    </a:p>
-                  </a:txBody>
-                  <a:tcPr marL="59009" marR="23701" marT="45392" marB="45392"/>
-                </a:tc>
-                <a:tc>
-                  <a:txBody>
-                    <a:bodyPr/>
-                    <a:lstStyle/>
-                    <a:p>
-                      <a:pPr marL="0" marR="0"/>
-                      <a:r>
-                        <a:rPr lang="en-US" sz="1000" cap="none" spc="0" dirty="0">
-                          <a:solidFill>
-                            <a:schemeClr val="tx1"/>
-                          </a:solidFill>
-                          <a:effectLst/>
-                          <a:latin typeface="Calibri" panose="020F0502020204030204" pitchFamily="34" charset="0"/>
-                          <a:ea typeface="Times New Roman" panose="02020603050405020304" pitchFamily="18" charset="0"/>
-                          <a:cs typeface="Times New Roman" panose="02020603050405020304" pitchFamily="18" charset="0"/>
-                        </a:rPr>
-                        <a:t>*</a:t>
-                      </a:r>
-                    </a:p>
-                  </a:txBody>
-                  <a:tcPr marL="59009" marR="23701" marT="45392" marB="45392"/>
-                </a:tc>
-                <a:tc>
-                  <a:txBody>
-                    <a:bodyPr/>
-                    <a:lstStyle/>
-                    <a:p>
-                      <a:pPr marL="0" marR="0"/>
-                      <a:r>
-                        <a:rPr lang="en-US" sz="1000" cap="none" spc="0" dirty="0">
-                          <a:solidFill>
-                            <a:schemeClr val="tx1"/>
-                          </a:solidFill>
-                          <a:effectLst/>
-                          <a:latin typeface="Calibri" panose="020F0502020204030204" pitchFamily="34" charset="0"/>
-                          <a:ea typeface="Times New Roman" panose="02020603050405020304" pitchFamily="18" charset="0"/>
-                          <a:cs typeface="Times New Roman" panose="02020603050405020304" pitchFamily="18" charset="0"/>
-                        </a:rPr>
-                        <a:t>Weight Loss Intentions  </a:t>
-                      </a:r>
-                      <a:r>
-                        <a:rPr lang="en-US" sz="1000" b="1" cap="none" spc="0" dirty="0">
-                          <a:solidFill>
-                            <a:schemeClr val="tx1"/>
-                          </a:solidFill>
-                          <a:effectLst/>
-                          <a:latin typeface="Calibri" panose="020F0502020204030204" pitchFamily="34" charset="0"/>
-                          <a:ea typeface="Times New Roman" panose="02020603050405020304" pitchFamily="18" charset="0"/>
-                          <a:cs typeface="Times New Roman" panose="02020603050405020304" pitchFamily="18" charset="0"/>
-                        </a:rPr>
-                        <a:t>OR</a:t>
-                      </a:r>
-                      <a:r>
-                        <a:rPr lang="en-US" sz="1000" cap="none" spc="0" dirty="0">
-                          <a:solidFill>
-                            <a:schemeClr val="tx1"/>
-                          </a:solidFill>
-                          <a:effectLst/>
-                          <a:latin typeface="Calibri" panose="020F0502020204030204" pitchFamily="34" charset="0"/>
-                          <a:ea typeface="Times New Roman" panose="02020603050405020304" pitchFamily="18" charset="0"/>
-                          <a:cs typeface="Times New Roman" panose="02020603050405020304" pitchFamily="18" charset="0"/>
-                        </a:rPr>
-                        <a:t> </a:t>
-                      </a:r>
-                      <a:r>
-                        <a:rPr lang="en-US" sz="1000" b="0" cap="none" spc="0" dirty="0" err="1">
-                          <a:solidFill>
-                            <a:schemeClr val="tx1"/>
-                          </a:solidFill>
-                          <a:effectLst/>
-                        </a:rPr>
-                        <a:t>Wt</a:t>
-                      </a:r>
-                      <a:r>
-                        <a:rPr lang="en-US" sz="1000" b="0" cap="none" spc="0" dirty="0">
-                          <a:solidFill>
-                            <a:schemeClr val="tx1"/>
-                          </a:solidFill>
-                          <a:effectLst/>
-                        </a:rPr>
-                        <a:t> Valuation</a:t>
-                      </a:r>
-                      <a:endParaRPr lang="en-US" sz="1000" cap="none" spc="0" dirty="0">
-                        <a:solidFill>
-                          <a:schemeClr val="tx1"/>
-                        </a:solidFill>
-                        <a:effectLst/>
-                        <a:latin typeface="Calibri" panose="020F0502020204030204" pitchFamily="34" charset="0"/>
-                        <a:ea typeface="Times New Roman" panose="02020603050405020304" pitchFamily="18" charset="0"/>
-                        <a:cs typeface="Times New Roman" panose="02020603050405020304" pitchFamily="18" charset="0"/>
-                      </a:endParaRPr>
-                    </a:p>
-                  </a:txBody>
-                  <a:tcPr marL="59009" marR="23701" marT="45392" marB="45392"/>
-                </a:tc>
-                <a:tc>
-                  <a:txBody>
-                    <a:bodyPr/>
-                    <a:lstStyle/>
-                    <a:p>
-                      <a:pPr marL="0" marR="0"/>
-                      <a:r>
-                        <a:rPr lang="en-US" sz="1000" cap="none" spc="0" dirty="0">
-                          <a:solidFill>
-                            <a:schemeClr val="tx1"/>
-                          </a:solidFill>
-                          <a:effectLst/>
-                          <a:latin typeface="Calibri" panose="020F0502020204030204" pitchFamily="34" charset="0"/>
-                          <a:ea typeface="Times New Roman" panose="02020603050405020304" pitchFamily="18" charset="0"/>
-                          <a:cs typeface="Times New Roman" panose="02020603050405020304" pitchFamily="18" charset="0"/>
-                        </a:rPr>
-                        <a:t>Fear of Weight Gain </a:t>
-                      </a:r>
-                      <a:r>
-                        <a:rPr lang="en-US" sz="1000" b="1" cap="none" spc="0" dirty="0">
-                          <a:solidFill>
-                            <a:schemeClr val="tx1"/>
-                          </a:solidFill>
-                          <a:effectLst/>
-                          <a:latin typeface="Calibri" panose="020F0502020204030204" pitchFamily="34" charset="0"/>
-                          <a:ea typeface="Times New Roman" panose="02020603050405020304" pitchFamily="18" charset="0"/>
-                          <a:cs typeface="Times New Roman" panose="02020603050405020304" pitchFamily="18" charset="0"/>
-                        </a:rPr>
-                        <a:t>OR</a:t>
-                      </a:r>
-                      <a:r>
-                        <a:rPr lang="en-US" sz="1000" cap="none" spc="0" dirty="0">
-                          <a:solidFill>
-                            <a:schemeClr val="tx1"/>
-                          </a:solidFill>
-                          <a:effectLst/>
-                          <a:latin typeface="Calibri" panose="020F0502020204030204" pitchFamily="34" charset="0"/>
-                          <a:ea typeface="Times New Roman" panose="02020603050405020304" pitchFamily="18" charset="0"/>
-                          <a:cs typeface="Times New Roman" panose="02020603050405020304" pitchFamily="18" charset="0"/>
-                        </a:rPr>
-                        <a:t> </a:t>
-                      </a:r>
-                      <a:r>
-                        <a:rPr lang="en-US" sz="1000" cap="none" spc="0" dirty="0">
-                          <a:solidFill>
-                            <a:schemeClr val="tx1"/>
-                          </a:solidFill>
-                          <a:effectLst/>
-                        </a:rPr>
-                        <a:t>Body dissatisfaction </a:t>
-                      </a:r>
-                      <a:r>
-                        <a:rPr lang="en-US" sz="1000" b="1" cap="none" spc="0" dirty="0">
-                          <a:solidFill>
-                            <a:schemeClr val="tx1"/>
-                          </a:solidFill>
-                          <a:effectLst/>
-                        </a:rPr>
-                        <a:t>OR</a:t>
-                      </a:r>
-                      <a:r>
-                        <a:rPr lang="en-US" sz="1000" cap="none" spc="0" dirty="0">
-                          <a:solidFill>
-                            <a:schemeClr val="tx1"/>
-                          </a:solidFill>
-                          <a:effectLst/>
-                        </a:rPr>
-                        <a:t> Feeling Fat </a:t>
-                      </a:r>
-                      <a:endParaRPr lang="en-US" sz="1000" cap="none" spc="0" dirty="0">
-                        <a:solidFill>
-                          <a:schemeClr val="tx1"/>
-                        </a:solidFill>
-                        <a:effectLst/>
-                        <a:latin typeface="Calibri" panose="020F0502020204030204" pitchFamily="34" charset="0"/>
-                        <a:ea typeface="Times New Roman" panose="02020603050405020304" pitchFamily="18" charset="0"/>
-                        <a:cs typeface="Times New Roman" panose="02020603050405020304" pitchFamily="18" charset="0"/>
-                      </a:endParaRPr>
-                    </a:p>
-                  </a:txBody>
-                  <a:tcPr marL="59009" marR="23701" marT="45392" marB="45392"/>
-                </a:tc>
-                <a:extLst>
-                  <a:ext uri="{0D108BD9-81ED-4DB2-BD59-A6C34878D82A}">
-                    <a16:rowId xmlns:a16="http://schemas.microsoft.com/office/drawing/2014/main" val="2860028498"/>
-                  </a:ext>
-                </a:extLst>
-              </a:tr>
-              <a:tr h="509678">
-                <a:tc>
-                  <a:txBody>
-                    <a:bodyPr/>
-                    <a:lstStyle/>
-                    <a:p>
-                      <a:pPr marL="0" marR="0">
-                        <a:spcBef>
-                          <a:spcPts val="0"/>
-                        </a:spcBef>
-                        <a:spcAft>
-                          <a:spcPts val="0"/>
-                        </a:spcAft>
-                      </a:pPr>
-                      <a:r>
-                        <a:rPr lang="en-US" sz="1200" cap="none" spc="0" dirty="0">
-                          <a:solidFill>
-                            <a:schemeClr val="bg1"/>
-                          </a:solidFill>
-                          <a:effectLst/>
-                        </a:rPr>
-                        <a:t>Unhealthy </a:t>
-                      </a:r>
-                      <a:r>
-                        <a:rPr lang="en-US" sz="1200" cap="none" spc="0" dirty="0" err="1">
-                          <a:solidFill>
-                            <a:schemeClr val="bg1"/>
-                          </a:solidFill>
-                          <a:effectLst/>
-                        </a:rPr>
-                        <a:t>wt</a:t>
-                      </a:r>
-                      <a:r>
-                        <a:rPr lang="en-US" sz="1200" cap="none" spc="0" dirty="0">
-                          <a:solidFill>
-                            <a:schemeClr val="bg1"/>
-                          </a:solidFill>
-                          <a:effectLst/>
-                        </a:rPr>
-                        <a:t> control behaviors</a:t>
-                      </a:r>
-                      <a:endParaRPr lang="en-US" sz="1200" cap="none" spc="0" dirty="0">
-                        <a:solidFill>
-                          <a:schemeClr val="bg1"/>
-                        </a:solidFill>
-                        <a:effectLst/>
-                        <a:latin typeface="Calibri" panose="020F0502020204030204" pitchFamily="34" charset="0"/>
-                        <a:ea typeface="Calibri" panose="020F0502020204030204" pitchFamily="34" charset="0"/>
-                        <a:cs typeface="Times New Roman" panose="02020603050405020304" pitchFamily="18" charset="0"/>
-                      </a:endParaRPr>
-                    </a:p>
-                  </a:txBody>
-                  <a:tcPr marL="59009" marR="23701" marT="45392" marB="45392"/>
-                </a:tc>
-                <a:tc>
-                  <a:txBody>
-                    <a:bodyPr/>
-                    <a:lstStyle/>
-                    <a:p>
-                      <a:pPr marL="0" marR="0">
-                        <a:spcBef>
-                          <a:spcPts val="0"/>
-                        </a:spcBef>
-                        <a:spcAft>
-                          <a:spcPts val="0"/>
-                        </a:spcAft>
-                      </a:pPr>
-                      <a:r>
-                        <a:rPr lang="en-US" sz="1000" b="1" cap="none" spc="0" dirty="0">
-                          <a:solidFill>
-                            <a:schemeClr val="tx1"/>
-                          </a:solidFill>
-                          <a:effectLst/>
-                        </a:rPr>
-                        <a:t>OR</a:t>
-                      </a:r>
-                      <a:r>
-                        <a:rPr lang="en-US" sz="1000" cap="none" spc="0" dirty="0">
-                          <a:solidFill>
-                            <a:schemeClr val="tx1"/>
-                          </a:solidFill>
-                          <a:effectLst/>
-                        </a:rPr>
-                        <a:t> fasting for </a:t>
+                        <a:t>Fasting for </a:t>
                       </a:r>
                       <a:r>
                         <a:rPr lang="en-US" sz="1000" cap="none" spc="0" dirty="0" err="1">
